--- a/01poster_oukan.pptx
+++ b/01poster_oukan.pptx
@@ -721,6 +721,32 @@
           <a:bodyPr/>
           <a:lstStyle/>
           <a:p>
+            <a:endParaRPr kumimoji="1" lang="en-US" altLang="ja-JP" dirty="0"/>
+          </a:p>
+          <a:p>
+            <a:endParaRPr kumimoji="1" lang="en-US" altLang="ja-JP" dirty="0"/>
+          </a:p>
+          <a:p>
+            <a:endParaRPr kumimoji="1" lang="en-US" altLang="ja-JP" dirty="0"/>
+          </a:p>
+          <a:p>
+            <a:endParaRPr kumimoji="1" lang="en-US" altLang="ja-JP" dirty="0"/>
+          </a:p>
+          <a:p>
+            <a:endParaRPr kumimoji="1" lang="en-US" altLang="ja-JP" dirty="0"/>
+          </a:p>
+          <a:p>
+            <a:r>
+              <a:rPr kumimoji="1" lang="ja-JP" altLang="en-US"/>
+              <a:t>混合整数非線形計画問題</a:t>
+            </a:r>
+            <a:endParaRPr kumimoji="1" lang="en-US" altLang="ja-JP" dirty="0"/>
+          </a:p>
+          <a:p>
+            <a:r>
+              <a:rPr kumimoji="1" lang="ja-JP" altLang="en-US"/>
+              <a:t>非線形計画問題</a:t>
+            </a:r>
             <a:endParaRPr kumimoji="1" lang="en-US" altLang="ja-JP" dirty="0"/>
           </a:p>
           <a:p>
@@ -4539,8 +4565,8 @@
         </p:nvSpPr>
         <p:spPr>
           <a:xfrm>
-            <a:off x="543524" y="3416565"/>
-            <a:ext cx="14343722" cy="24877943"/>
+            <a:off x="543524" y="3416564"/>
+            <a:ext cx="14343722" cy="24879600"/>
           </a:xfrm>
           <a:prstGeom prst="rect">
             <a:avLst/>
@@ -4690,7 +4716,7 @@
         </p:nvSpPr>
         <p:spPr>
           <a:xfrm>
-            <a:off x="1164551" y="3959673"/>
+            <a:off x="1091399" y="3813369"/>
             <a:ext cx="4644669" cy="769441"/>
           </a:xfrm>
           <a:prstGeom prst="rect">
@@ -4717,38 +4743,6 @@
               </a:rPr>
               <a:t>研究背景と目的</a:t>
             </a:r>
-          </a:p>
-        </p:txBody>
-      </p:sp>
-      <p:sp>
-        <p:nvSpPr>
-          <p:cNvPr id="127" name="テキスト ボックス 126">
-            <a:extLst>
-              <a:ext uri="{FF2B5EF4-FFF2-40B4-BE49-F238E27FC236}">
-                <a16:creationId xmlns:a16="http://schemas.microsoft.com/office/drawing/2014/main" id="{E6B4AE51-E7E4-A433-8598-ED75C43D9A02}"/>
-              </a:ext>
-            </a:extLst>
-          </p:cNvPr>
-          <p:cNvSpPr txBox="1"/>
-          <p:nvPr/>
-        </p:nvSpPr>
-        <p:spPr>
-          <a:xfrm>
-            <a:off x="1208888" y="4679232"/>
-            <a:ext cx="13422024" cy="523220"/>
-          </a:xfrm>
-          <a:prstGeom prst="rect">
-            <a:avLst/>
-          </a:prstGeom>
-          <a:noFill/>
-        </p:spPr>
-        <p:txBody>
-          <a:bodyPr wrap="square" rtlCol="0">
-            <a:spAutoFit/>
-          </a:bodyPr>
-          <a:lstStyle/>
-          <a:p>
-            <a:endParaRPr lang="en-US" altLang="ja-JP" sz="2800" dirty="0"/>
           </a:p>
         </p:txBody>
       </p:sp>
@@ -4938,7 +4932,7 @@
           <p:spPr>
             <a:xfrm>
               <a:off x="15868805" y="11384541"/>
-              <a:ext cx="2149186" cy="923330"/>
+              <a:ext cx="13402623" cy="760735"/>
             </a:xfrm>
             <a:prstGeom prst="rect">
               <a:avLst/>
@@ -4952,7 +4946,7 @@
             <a:lstStyle/>
             <a:p>
               <a:r>
-                <a:rPr lang="ja-JP" altLang="en-US" sz="5400" b="1" dirty="0">
+                <a:rPr lang="ja-JP" altLang="en-US" sz="4400" b="1">
                   <a:solidFill>
                     <a:schemeClr val="tx2">
                       <a:lumMod val="90000"/>
@@ -4962,7 +4956,33 @@
                   <a:latin typeface="メイリオ" panose="020B0604030504040204" pitchFamily="50" charset="-128"/>
                   <a:ea typeface="メイリオ" panose="020B0604030504040204" pitchFamily="50" charset="-128"/>
                 </a:rPr>
-                <a:t>結果</a:t>
+                <a:t>オブザーバと</a:t>
+              </a:r>
+              <a:r>
+                <a:rPr lang="en-US" altLang="ja-JP" sz="4400" b="1" dirty="0">
+                  <a:solidFill>
+                    <a:schemeClr val="tx2">
+                      <a:lumMod val="90000"/>
+                      <a:lumOff val="10000"/>
+                    </a:schemeClr>
+                  </a:solidFill>
+                  <a:latin typeface="メイリオ" panose="020B0604030504040204" pitchFamily="50" charset="-128"/>
+                  <a:ea typeface="メイリオ" panose="020B0604030504040204" pitchFamily="50" charset="-128"/>
+                </a:rPr>
+                <a:t>EKF</a:t>
+              </a:r>
+              <a:r>
+                <a:rPr lang="ja-JP" altLang="en-US" sz="4400" b="1">
+                  <a:solidFill>
+                    <a:schemeClr val="tx2">
+                      <a:lumMod val="90000"/>
+                      <a:lumOff val="10000"/>
+                    </a:schemeClr>
+                  </a:solidFill>
+                  <a:latin typeface="メイリオ" panose="020B0604030504040204" pitchFamily="50" charset="-128"/>
+                  <a:ea typeface="メイリオ" panose="020B0604030504040204" pitchFamily="50" charset="-128"/>
+                </a:rPr>
+                <a:t>による状態推定結果の比較</a:t>
               </a:r>
               <a:endParaRPr lang="en-US" altLang="ja-JP" sz="4400" b="1" dirty="0">
                 <a:solidFill>
@@ -5469,9 +5489,81 @@
             <a:off x="543524" y="28787808"/>
             <a:ext cx="14343722" cy="11866257"/>
           </a:xfrm>
-          <a:prstGeom prst="rect">
+          <a:custGeom>
             <a:avLst/>
-          </a:prstGeom>
+            <a:gdLst>
+              <a:gd name="csX0" fmla="*/ 0 w 14343722"/>
+              <a:gd name="csY0" fmla="*/ 0 h 11866257"/>
+              <a:gd name="csX1" fmla="*/ 14343722 w 14343722"/>
+              <a:gd name="csY1" fmla="*/ 0 h 11866257"/>
+              <a:gd name="csX2" fmla="*/ 14343722 w 14343722"/>
+              <a:gd name="csY2" fmla="*/ 11866257 h 11866257"/>
+              <a:gd name="csX3" fmla="*/ 0 w 14343722"/>
+              <a:gd name="csY3" fmla="*/ 11866257 h 11866257"/>
+              <a:gd name="csX4" fmla="*/ 0 w 14343722"/>
+              <a:gd name="csY4" fmla="*/ 0 h 11866257"/>
+              <a:gd name="csX0" fmla="*/ 0 w 14343722"/>
+              <a:gd name="csY0" fmla="*/ 0 h 11866257"/>
+              <a:gd name="csX1" fmla="*/ 14343722 w 14343722"/>
+              <a:gd name="csY1" fmla="*/ 0 h 11866257"/>
+              <a:gd name="csX2" fmla="*/ 14343722 w 14343722"/>
+              <a:gd name="csY2" fmla="*/ 11866257 h 11866257"/>
+              <a:gd name="csX3" fmla="*/ 0 w 14343722"/>
+              <a:gd name="csY3" fmla="*/ 11866257 h 11866257"/>
+              <a:gd name="csX4" fmla="*/ 0 w 14343722"/>
+              <a:gd name="csY4" fmla="*/ 0 h 11866257"/>
+              <a:gd name="csX0" fmla="*/ 0 w 14343722"/>
+              <a:gd name="csY0" fmla="*/ 11866257 h 11957697"/>
+              <a:gd name="csX1" fmla="*/ 0 w 14343722"/>
+              <a:gd name="csY1" fmla="*/ 0 h 11957697"/>
+              <a:gd name="csX2" fmla="*/ 14343722 w 14343722"/>
+              <a:gd name="csY2" fmla="*/ 0 h 11957697"/>
+              <a:gd name="csX3" fmla="*/ 14343722 w 14343722"/>
+              <a:gd name="csY3" fmla="*/ 11866257 h 11957697"/>
+              <a:gd name="csX4" fmla="*/ 91440 w 14343722"/>
+              <a:gd name="csY4" fmla="*/ 11957697 h 11957697"/>
+              <a:gd name="csX0" fmla="*/ 0 w 14343722"/>
+              <a:gd name="csY0" fmla="*/ 11866257 h 11866257"/>
+              <a:gd name="csX1" fmla="*/ 0 w 14343722"/>
+              <a:gd name="csY1" fmla="*/ 0 h 11866257"/>
+              <a:gd name="csX2" fmla="*/ 14343722 w 14343722"/>
+              <a:gd name="csY2" fmla="*/ 0 h 11866257"/>
+              <a:gd name="csX3" fmla="*/ 14343722 w 14343722"/>
+              <a:gd name="csY3" fmla="*/ 11866257 h 11866257"/>
+            </a:gdLst>
+            <a:ahLst/>
+            <a:cxnLst>
+              <a:cxn ang="0">
+                <a:pos x="csX0" y="csY0"/>
+              </a:cxn>
+              <a:cxn ang="0">
+                <a:pos x="csX1" y="csY1"/>
+              </a:cxn>
+              <a:cxn ang="0">
+                <a:pos x="csX2" y="csY2"/>
+              </a:cxn>
+              <a:cxn ang="0">
+                <a:pos x="csX3" y="csY3"/>
+              </a:cxn>
+            </a:cxnLst>
+            <a:rect l="l" t="t" r="r" b="b"/>
+            <a:pathLst>
+              <a:path w="14343722" h="11866257">
+                <a:moveTo>
+                  <a:pt x="0" y="11866257"/>
+                </a:moveTo>
+                <a:lnTo>
+                  <a:pt x="0" y="0"/>
+                </a:lnTo>
+                <a:lnTo>
+                  <a:pt x="14343722" y="0"/>
+                </a:lnTo>
+                <a:lnTo>
+                  <a:pt x="14343722" y="11866257"/>
+                </a:lnTo>
+              </a:path>
+            </a:pathLst>
+          </a:custGeom>
           <a:solidFill>
             <a:schemeClr val="bg1"/>
           </a:solidFill>
@@ -5616,7 +5708,7 @@
         <p:spPr>
           <a:xfrm>
             <a:off x="1166338" y="29343901"/>
-            <a:ext cx="8507043" cy="769441"/>
+            <a:ext cx="11076462" cy="769441"/>
           </a:xfrm>
           <a:prstGeom prst="rect">
             <a:avLst/>
@@ -5653,10 +5745,10 @@
                 <a:latin typeface="メイリオ" panose="020B0604030504040204" pitchFamily="50" charset="-128"/>
                 <a:ea typeface="メイリオ" panose="020B0604030504040204" pitchFamily="50" charset="-128"/>
               </a:rPr>
-              <a:t>のパラメータ</a:t>
-            </a:r>
-            <a:r>
-              <a:rPr lang="ja-JP" altLang="en-US" sz="4400" b="1" dirty="0">
+              <a:t>のパラメータ推定</a:t>
+            </a:r>
+            <a:r>
+              <a:rPr lang="en-US" altLang="ja-JP" sz="4400" b="1" dirty="0">
                 <a:solidFill>
                   <a:schemeClr val="tx2">
                     <a:lumMod val="90000"/>
@@ -5666,7 +5758,20 @@
                 <a:latin typeface="メイリオ" panose="020B0604030504040204" pitchFamily="50" charset="-128"/>
                 <a:ea typeface="メイリオ" panose="020B0604030504040204" pitchFamily="50" charset="-128"/>
               </a:rPr>
-              <a:t>推定</a:t>
+              <a:t>/</a:t>
+            </a:r>
+            <a:r>
+              <a:rPr lang="ja-JP" altLang="en-US" sz="4400" b="1">
+                <a:solidFill>
+                  <a:schemeClr val="tx2">
+                    <a:lumMod val="90000"/>
+                    <a:lumOff val="10000"/>
+                  </a:schemeClr>
+                </a:solidFill>
+                <a:latin typeface="メイリオ" panose="020B0604030504040204" pitchFamily="50" charset="-128"/>
+                <a:ea typeface="メイリオ" panose="020B0604030504040204" pitchFamily="50" charset="-128"/>
+              </a:rPr>
+              <a:t>状態推定</a:t>
             </a:r>
             <a:endParaRPr lang="ja-JP" altLang="en-US" sz="4400" dirty="0"/>
           </a:p>
@@ -7441,8 +7546,8 @@
             </a:fontRef>
           </p:style>
         </p:cxnSp>
-        <mc:AlternateContent xmlns:mc="http://schemas.openxmlformats.org/markup-compatibility/2006">
-          <mc:Choice xmlns:a14="http://schemas.microsoft.com/office/drawing/2010/main" Requires="a14">
+        <mc:AlternateContent xmlns:mc="http://schemas.openxmlformats.org/markup-compatibility/2006" xmlns:a14="http://schemas.microsoft.com/office/drawing/2010/main">
+          <mc:Choice Requires="a14">
             <p:sp>
               <p:nvSpPr>
                 <p:cNvPr id="393" name="テキスト ボックス 392">
@@ -7511,7 +7616,7 @@
               </p:txBody>
             </p:sp>
           </mc:Choice>
-          <mc:Fallback>
+          <mc:Fallback xmlns="">
             <p:sp>
               <p:nvSpPr>
                 <p:cNvPr id="393" name="テキスト ボックス 392">
@@ -7556,8 +7661,8 @@
             </p:sp>
           </mc:Fallback>
         </mc:AlternateContent>
-        <mc:AlternateContent xmlns:mc="http://schemas.openxmlformats.org/markup-compatibility/2006">
-          <mc:Choice xmlns:a14="http://schemas.microsoft.com/office/drawing/2010/main" Requires="a14">
+        <mc:AlternateContent xmlns:mc="http://schemas.openxmlformats.org/markup-compatibility/2006" xmlns:a14="http://schemas.microsoft.com/office/drawing/2010/main">
+          <mc:Choice Requires="a14">
             <p:sp>
               <p:nvSpPr>
                 <p:cNvPr id="394" name="テキスト ボックス 393">
@@ -7626,7 +7731,7 @@
               </p:txBody>
             </p:sp>
           </mc:Choice>
-          <mc:Fallback>
+          <mc:Fallback xmlns="">
             <p:sp>
               <p:nvSpPr>
                 <p:cNvPr id="394" name="テキスト ボックス 393">
@@ -7671,8 +7776,8 @@
             </p:sp>
           </mc:Fallback>
         </mc:AlternateContent>
-        <mc:AlternateContent xmlns:mc="http://schemas.openxmlformats.org/markup-compatibility/2006">
-          <mc:Choice xmlns:a14="http://schemas.microsoft.com/office/drawing/2010/main" Requires="a14">
+        <mc:AlternateContent xmlns:mc="http://schemas.openxmlformats.org/markup-compatibility/2006" xmlns:a14="http://schemas.microsoft.com/office/drawing/2010/main">
+          <mc:Choice Requires="a14">
             <p:sp>
               <p:nvSpPr>
                 <p:cNvPr id="395" name="テキスト ボックス 394">
@@ -7722,7 +7827,7 @@
               </p:txBody>
             </p:sp>
           </mc:Choice>
-          <mc:Fallback>
+          <mc:Fallback xmlns="">
             <p:sp>
               <p:nvSpPr>
                 <p:cNvPr id="395" name="テキスト ボックス 394">
@@ -7767,8 +7872,8 @@
             </p:sp>
           </mc:Fallback>
         </mc:AlternateContent>
-        <mc:AlternateContent xmlns:mc="http://schemas.openxmlformats.org/markup-compatibility/2006">
-          <mc:Choice xmlns:a14="http://schemas.microsoft.com/office/drawing/2010/main" Requires="a14">
+        <mc:AlternateContent xmlns:mc="http://schemas.openxmlformats.org/markup-compatibility/2006" xmlns:a14="http://schemas.microsoft.com/office/drawing/2010/main">
+          <mc:Choice Requires="a14">
             <p:sp>
               <p:nvSpPr>
                 <p:cNvPr id="396" name="テキスト ボックス 395">
@@ -7837,7 +7942,7 @@
               </p:txBody>
             </p:sp>
           </mc:Choice>
-          <mc:Fallback>
+          <mc:Fallback xmlns="">
             <p:sp>
               <p:nvSpPr>
                 <p:cNvPr id="396" name="テキスト ボックス 395">
@@ -7924,8 +8029,8 @@
             </a:fontRef>
           </p:style>
         </p:cxnSp>
-        <mc:AlternateContent xmlns:mc="http://schemas.openxmlformats.org/markup-compatibility/2006">
-          <mc:Choice xmlns:a14="http://schemas.microsoft.com/office/drawing/2010/main" Requires="a14">
+        <mc:AlternateContent xmlns:mc="http://schemas.openxmlformats.org/markup-compatibility/2006" xmlns:a14="http://schemas.microsoft.com/office/drawing/2010/main">
+          <mc:Choice Requires="a14">
             <p:sp>
               <p:nvSpPr>
                 <p:cNvPr id="398" name="テキスト ボックス 397">
@@ -7975,7 +8080,7 @@
               </p:txBody>
             </p:sp>
           </mc:Choice>
-          <mc:Fallback>
+          <mc:Fallback xmlns="">
             <p:sp>
               <p:nvSpPr>
                 <p:cNvPr id="398" name="テキスト ボックス 397">
@@ -8161,10 +8266,10 @@
         </p:nvGrpSpPr>
         <p:grpSpPr>
           <a:xfrm>
-            <a:off x="15481260" y="3430466"/>
-            <a:ext cx="14343722" cy="9649871"/>
-            <a:chOff x="15584173" y="4073267"/>
-            <a:chExt cx="14343722" cy="9649871"/>
+            <a:off x="15478916" y="3430466"/>
+            <a:ext cx="14346066" cy="9649871"/>
+            <a:chOff x="15581829" y="4073267"/>
+            <a:chExt cx="14346066" cy="9649871"/>
           </a:xfrm>
         </p:grpSpPr>
         <p:sp>
@@ -8183,12 +8288,92 @@
           </p:nvSpPr>
           <p:spPr>
             <a:xfrm>
-              <a:off x="15584173" y="4073267"/>
-              <a:ext cx="14343722" cy="9649871"/>
+              <a:off x="15581829" y="4073267"/>
+              <a:ext cx="14346066" cy="9649871"/>
             </a:xfrm>
-            <a:prstGeom prst="rect">
+            <a:custGeom>
               <a:avLst/>
-            </a:prstGeom>
+              <a:gdLst>
+                <a:gd name="csX0" fmla="*/ 0 w 14343722"/>
+                <a:gd name="csY0" fmla="*/ 0 h 9649871"/>
+                <a:gd name="csX1" fmla="*/ 14343722 w 14343722"/>
+                <a:gd name="csY1" fmla="*/ 0 h 9649871"/>
+                <a:gd name="csX2" fmla="*/ 14343722 w 14343722"/>
+                <a:gd name="csY2" fmla="*/ 9649871 h 9649871"/>
+                <a:gd name="csX3" fmla="*/ 0 w 14343722"/>
+                <a:gd name="csY3" fmla="*/ 9649871 h 9649871"/>
+                <a:gd name="csX4" fmla="*/ 0 w 14343722"/>
+                <a:gd name="csY4" fmla="*/ 0 h 9649871"/>
+                <a:gd name="csX0" fmla="*/ 0 w 14343722"/>
+                <a:gd name="csY0" fmla="*/ 0 h 9649871"/>
+                <a:gd name="csX1" fmla="*/ 14343722 w 14343722"/>
+                <a:gd name="csY1" fmla="*/ 0 h 9649871"/>
+                <a:gd name="csX2" fmla="*/ 14343722 w 14343722"/>
+                <a:gd name="csY2" fmla="*/ 9649871 h 9649871"/>
+                <a:gd name="csX3" fmla="*/ 0 w 14343722"/>
+                <a:gd name="csY3" fmla="*/ 9649871 h 9649871"/>
+                <a:gd name="csX4" fmla="*/ 91440 w 14343722"/>
+                <a:gd name="csY4" fmla="*/ 91440 h 9649871"/>
+                <a:gd name="csX0" fmla="*/ 14343722 w 14343722"/>
+                <a:gd name="csY0" fmla="*/ 0 h 9649871"/>
+                <a:gd name="csX1" fmla="*/ 14343722 w 14343722"/>
+                <a:gd name="csY1" fmla="*/ 9649871 h 9649871"/>
+                <a:gd name="csX2" fmla="*/ 0 w 14343722"/>
+                <a:gd name="csY2" fmla="*/ 9649871 h 9649871"/>
+                <a:gd name="csX3" fmla="*/ 91440 w 14343722"/>
+                <a:gd name="csY3" fmla="*/ 91440 h 9649871"/>
+                <a:gd name="csX0" fmla="*/ 14346066 w 14346066"/>
+                <a:gd name="csY0" fmla="*/ 0 h 9649871"/>
+                <a:gd name="csX1" fmla="*/ 14346066 w 14346066"/>
+                <a:gd name="csY1" fmla="*/ 9649871 h 9649871"/>
+                <a:gd name="csX2" fmla="*/ 2344 w 14346066"/>
+                <a:gd name="csY2" fmla="*/ 9649871 h 9649871"/>
+                <a:gd name="csX3" fmla="*/ 0 w 14346066"/>
+                <a:gd name="csY3" fmla="*/ 114886 h 9649871"/>
+                <a:gd name="csX0" fmla="*/ 14346066 w 14346066"/>
+                <a:gd name="csY0" fmla="*/ 0 h 9649871"/>
+                <a:gd name="csX1" fmla="*/ 14346066 w 14346066"/>
+                <a:gd name="csY1" fmla="*/ 9649871 h 9649871"/>
+                <a:gd name="csX2" fmla="*/ 2344 w 14346066"/>
+                <a:gd name="csY2" fmla="*/ 9649871 h 9649871"/>
+                <a:gd name="csX3" fmla="*/ 0 w 14346066"/>
+                <a:gd name="csY3" fmla="*/ 114886 h 9649871"/>
+              </a:gdLst>
+              <a:ahLst/>
+              <a:cxnLst>
+                <a:cxn ang="0">
+                  <a:pos x="csX0" y="csY0"/>
+                </a:cxn>
+                <a:cxn ang="0">
+                  <a:pos x="csX1" y="csY1"/>
+                </a:cxn>
+                <a:cxn ang="0">
+                  <a:pos x="csX2" y="csY2"/>
+                </a:cxn>
+                <a:cxn ang="0">
+                  <a:pos x="csX3" y="csY3"/>
+                </a:cxn>
+              </a:cxnLst>
+              <a:rect l="l" t="t" r="r" b="b"/>
+              <a:pathLst>
+                <a:path w="14346066" h="9649871">
+                  <a:moveTo>
+                    <a:pt x="14346066" y="0"/>
+                  </a:moveTo>
+                  <a:lnTo>
+                    <a:pt x="14346066" y="9649871"/>
+                  </a:lnTo>
+                  <a:lnTo>
+                    <a:pt x="2344" y="9649871"/>
+                  </a:lnTo>
+                  <a:cubicBezTo>
+                    <a:pt x="2344" y="6433247"/>
+                    <a:pt x="0" y="114886"/>
+                    <a:pt x="0" y="114886"/>
+                  </a:cubicBezTo>
+                </a:path>
+              </a:pathLst>
+            </a:custGeom>
             <a:solidFill>
               <a:schemeClr val="bg1"/>
             </a:solidFill>
@@ -17564,8 +17749,8 @@
                 </p:sp>
               </mc:Fallback>
             </mc:AlternateContent>
-            <mc:AlternateContent xmlns:mc="http://schemas.openxmlformats.org/markup-compatibility/2006">
-              <mc:Choice xmlns:a14="http://schemas.microsoft.com/office/drawing/2010/main" Requires="a14">
+            <mc:AlternateContent xmlns:mc="http://schemas.openxmlformats.org/markup-compatibility/2006" xmlns:a14="http://schemas.microsoft.com/office/drawing/2010/main">
+              <mc:Choice Requires="a14">
                 <p:sp>
                   <p:nvSpPr>
                     <p:cNvPr id="235" name="テキスト ボックス 234">
@@ -17647,7 +17832,7 @@
                   </p:txBody>
                 </p:sp>
               </mc:Choice>
-              <mc:Fallback>
+              <mc:Fallback xmlns="">
                 <p:sp>
                   <p:nvSpPr>
                     <p:cNvPr id="235" name="テキスト ボックス 234">
@@ -18275,8 +18460,8 @@
             </p:nvSpPr>
             <p:spPr>
               <a:xfrm>
-                <a:off x="1742971" y="10208597"/>
-                <a:ext cx="3090254" cy="584775"/>
+                <a:off x="1742970" y="10208597"/>
+                <a:ext cx="5289803" cy="584775"/>
               </a:xfrm>
               <a:prstGeom prst="rect">
                 <a:avLst/>
@@ -18359,10 +18544,10 @@
         </p:nvGrpSpPr>
         <p:grpSpPr>
           <a:xfrm>
-            <a:off x="1105652" y="22482733"/>
-            <a:ext cx="13219466" cy="5835059"/>
-            <a:chOff x="984305" y="21936709"/>
-            <a:chExt cx="13219466" cy="5835059"/>
+            <a:off x="633627" y="22482733"/>
+            <a:ext cx="13691491" cy="5806076"/>
+            <a:chOff x="512280" y="21936709"/>
+            <a:chExt cx="13691491" cy="5806076"/>
           </a:xfrm>
         </p:grpSpPr>
         <p:grpSp>
@@ -18924,8 +19109,8 @@
           </p:nvSpPr>
           <p:spPr>
             <a:xfrm>
-              <a:off x="984305" y="27310103"/>
-              <a:ext cx="3261384" cy="461665"/>
+              <a:off x="983734" y="27281120"/>
+              <a:ext cx="2901970" cy="461665"/>
             </a:xfrm>
             <a:prstGeom prst="rect">
               <a:avLst/>
@@ -19032,42 +19217,129 @@
             </a:p>
           </p:txBody>
         </p:sp>
-        <p:sp>
-          <p:nvSpPr>
-            <p:cNvPr id="136" name="テキスト ボックス 135">
-              <a:extLst>
-                <a:ext uri="{FF2B5EF4-FFF2-40B4-BE49-F238E27FC236}">
-                  <a16:creationId xmlns:a16="http://schemas.microsoft.com/office/drawing/2014/main" id="{8C2D46F4-35BF-6299-C197-71DD676E92FA}"/>
-                </a:ext>
-              </a:extLst>
-            </p:cNvPr>
-            <p:cNvSpPr txBox="1"/>
-            <p:nvPr/>
-          </p:nvSpPr>
-          <p:spPr>
-            <a:xfrm>
-              <a:off x="1377484" y="23606040"/>
-              <a:ext cx="2650727" cy="461665"/>
-            </a:xfrm>
-            <a:prstGeom prst="rect">
-              <a:avLst/>
-            </a:prstGeom>
-            <a:noFill/>
-          </p:spPr>
-          <p:txBody>
-            <a:bodyPr wrap="square" rtlCol="0">
-              <a:spAutoFit/>
-            </a:bodyPr>
-            <a:lstStyle/>
-            <a:p>
-              <a:r>
-                <a:rPr lang="en-US" altLang="ja-JP" sz="2400" dirty="0"/>
-                <a:t>Meal Announce</a:t>
-              </a:r>
-              <a:endParaRPr kumimoji="1" lang="ja-JP" altLang="en-US" sz="2400" dirty="0"/>
-            </a:p>
-          </p:txBody>
-        </p:sp>
+        <mc:AlternateContent xmlns:mc="http://schemas.openxmlformats.org/markup-compatibility/2006">
+          <mc:Choice xmlns:a14="http://schemas.microsoft.com/office/drawing/2010/main" Requires="a14">
+            <p:sp>
+              <p:nvSpPr>
+                <p:cNvPr id="136" name="テキスト ボックス 135">
+                  <a:extLst>
+                    <a:ext uri="{FF2B5EF4-FFF2-40B4-BE49-F238E27FC236}">
+                      <a16:creationId xmlns:a16="http://schemas.microsoft.com/office/drawing/2014/main" id="{8C2D46F4-35BF-6299-C197-71DD676E92FA}"/>
+                    </a:ext>
+                  </a:extLst>
+                </p:cNvPr>
+                <p:cNvSpPr txBox="1"/>
+                <p:nvPr/>
+              </p:nvSpPr>
+              <p:spPr>
+                <a:xfrm>
+                  <a:off x="512280" y="23606040"/>
+                  <a:ext cx="3515931" cy="461665"/>
+                </a:xfrm>
+                <a:prstGeom prst="rect">
+                  <a:avLst/>
+                </a:prstGeom>
+                <a:noFill/>
+              </p:spPr>
+              <p:txBody>
+                <a:bodyPr wrap="square" rtlCol="0">
+                  <a:spAutoFit/>
+                </a:bodyPr>
+                <a:lstStyle/>
+                <a:p>
+                  <a:r>
+                    <a:rPr lang="en-US" altLang="ja-JP" sz="2400" dirty="0"/>
+                    <a:t>Meal Announce (</a:t>
+                  </a:r>
+                  <a14:m>
+                    <m:oMath xmlns:m="http://schemas.openxmlformats.org/officeDocument/2006/math">
+                      <m:sSub>
+                        <m:sSubPr>
+                          <m:ctrlPr>
+                            <a:rPr lang="en-US" altLang="ja-JP" sz="2400" i="1">
+                              <a:latin typeface="Cambria Math" panose="02040503050406030204" pitchFamily="18" charset="0"/>
+                            </a:rPr>
+                          </m:ctrlPr>
+                        </m:sSubPr>
+                        <m:e>
+                          <m:r>
+                            <m:rPr>
+                              <m:sty m:val="p"/>
+                            </m:rPr>
+                            <a:rPr lang="en-US" altLang="ja-JP" sz="2400" i="1">
+                              <a:latin typeface="Cambria Math" panose="02040503050406030204" pitchFamily="18" charset="0"/>
+                            </a:rPr>
+                            <m:t>d</m:t>
+                          </m:r>
+                        </m:e>
+                        <m:sub>
+                          <m:r>
+                            <m:rPr>
+                              <m:sty m:val="p"/>
+                            </m:rPr>
+                            <a:rPr lang="en-US" altLang="ja-JP" sz="2400" i="1">
+                              <a:latin typeface="Cambria Math" panose="02040503050406030204" pitchFamily="18" charset="0"/>
+                            </a:rPr>
+                            <m:t>meal</m:t>
+                          </m:r>
+                        </m:sub>
+                      </m:sSub>
+                    </m:oMath>
+                  </a14:m>
+                  <a:r>
+                    <a:rPr lang="en-US" altLang="ja-JP" sz="2400" dirty="0"/>
+                    <a:t>)</a:t>
+                  </a:r>
+                  <a:endParaRPr kumimoji="1" lang="ja-JP" altLang="en-US" sz="2400" dirty="0"/>
+                </a:p>
+              </p:txBody>
+            </p:sp>
+          </mc:Choice>
+          <mc:Fallback>
+            <p:sp>
+              <p:nvSpPr>
+                <p:cNvPr id="136" name="テキスト ボックス 135">
+                  <a:extLst>
+                    <a:ext uri="{FF2B5EF4-FFF2-40B4-BE49-F238E27FC236}">
+                      <a16:creationId xmlns:a16="http://schemas.microsoft.com/office/drawing/2014/main" id="{8C2D46F4-35BF-6299-C197-71DD676E92FA}"/>
+                    </a:ext>
+                  </a:extLst>
+                </p:cNvPr>
+                <p:cNvSpPr txBox="1">
+                  <a:spLocks noRot="1" noChangeAspect="1" noMove="1" noResize="1" noEditPoints="1" noAdjustHandles="1" noChangeArrowheads="1" noChangeShapeType="1" noTextEdit="1"/>
+                </p:cNvSpPr>
+                <p:nvPr/>
+              </p:nvSpPr>
+              <p:spPr>
+                <a:xfrm>
+                  <a:off x="512280" y="23606040"/>
+                  <a:ext cx="3515931" cy="461665"/>
+                </a:xfrm>
+                <a:prstGeom prst="rect">
+                  <a:avLst/>
+                </a:prstGeom>
+                <a:blipFill>
+                  <a:blip r:embed="rId71"/>
+                  <a:stretch>
+                    <a:fillRect l="-2518" t="-10526" b="-28947"/>
+                  </a:stretch>
+                </a:blipFill>
+              </p:spPr>
+              <p:txBody>
+                <a:bodyPr/>
+                <a:lstStyle/>
+                <a:p>
+                  <a:r>
+                    <a:rPr lang="ja-JP" altLang="en-US">
+                      <a:noFill/>
+                    </a:rPr>
+                    <a:t> </a:t>
+                  </a:r>
+                </a:p>
+              </p:txBody>
+            </p:sp>
+          </mc:Fallback>
+        </mc:AlternateContent>
         <p:sp>
           <p:nvSpPr>
             <p:cNvPr id="137" name="テキスト ボックス 136">
@@ -19311,88 +19583,6 @@
       </p:grpSp>
       <p:sp>
         <p:nvSpPr>
-          <p:cNvPr id="6" name="テキスト ボックス 5">
-            <a:extLst>
-              <a:ext uri="{FF2B5EF4-FFF2-40B4-BE49-F238E27FC236}">
-                <a16:creationId xmlns:a16="http://schemas.microsoft.com/office/drawing/2014/main" id="{6B32345A-AC07-794D-98B9-E9B4C3809484}"/>
-              </a:ext>
-            </a:extLst>
-          </p:cNvPr>
-          <p:cNvSpPr txBox="1"/>
-          <p:nvPr/>
-        </p:nvSpPr>
-        <p:spPr>
-          <a:xfrm>
-            <a:off x="1127681" y="4891096"/>
-            <a:ext cx="13422023" cy="6555641"/>
-          </a:xfrm>
-          <a:prstGeom prst="rect">
-            <a:avLst/>
-          </a:prstGeom>
-          <a:noFill/>
-        </p:spPr>
-        <p:txBody>
-          <a:bodyPr wrap="square" rtlCol="0">
-            <a:spAutoFit/>
-          </a:bodyPr>
-          <a:lstStyle/>
-          <a:p>
-            <a:r>
-              <a:rPr kumimoji="1" lang="ja-JP" altLang="en-US" sz="2800"/>
-              <a:t>１型糖尿病は，血糖値調整を担うインスリンホルモンの体内分泌が停止することによって発症する．外部よりインスリンを投与する治療が行われるが，患者自らの判断による投与量決定にはリスクが伴う．そこで，開発が進められているのが人工膵臓である．</a:t>
-            </a:r>
-            <a:r>
-              <a:rPr lang="ja-JP" altLang="en-US" sz="2800"/>
-              <a:t>人工膵臓は血糖値を連続的に計測しながら，適切な投与量を制御アルゴリズムに従い計算し，インスリンを自動投与することによって血糖値を一定の範囲にコントロールする．制御アルゴリズムとしてはモデル予測制御</a:t>
-            </a:r>
-            <a:r>
-              <a:rPr lang="en-US" altLang="ja-JP" sz="2800" dirty="0"/>
-              <a:t>(MPC)</a:t>
-            </a:r>
-            <a:r>
-              <a:rPr lang="ja-JP" altLang="en-US" sz="2800"/>
-              <a:t>が主流である．</a:t>
-            </a:r>
-            <a:r>
-              <a:rPr lang="en-US" altLang="ja-JP" sz="2800" dirty="0"/>
-              <a:t>MPC</a:t>
-            </a:r>
-            <a:r>
-              <a:rPr lang="ja-JP" altLang="en-US" sz="2800"/>
-              <a:t>は，予測モデルに従い血糖値応答を予測し投与量を決定する．しかし，制御対象である人間の特性は時々刻々と変化し，また個人間の差異も存在する．そのため観測可能データより各個人のモデル同定を行う必要がある．当研究室では，新たにグルコース</a:t>
-            </a:r>
-            <a:r>
-              <a:rPr lang="en-US" altLang="ja-JP" sz="2800" dirty="0"/>
-              <a:t>-</a:t>
-            </a:r>
-            <a:r>
-              <a:rPr lang="ja-JP" altLang="en-US" sz="2800"/>
-              <a:t>インスリン動態切り換えモデルとそのパラメータ推定法が提案された．このモデルによる</a:t>
-            </a:r>
-            <a:r>
-              <a:rPr lang="en-US" altLang="ja-JP" sz="2800" dirty="0"/>
-              <a:t>MPC</a:t>
-            </a:r>
-            <a:r>
-              <a:rPr lang="ja-JP" altLang="en-US" sz="2800"/>
-              <a:t>を実装を考えたいが，</a:t>
-            </a:r>
-            <a:r>
-              <a:rPr lang="en-US" altLang="ja-JP" sz="2800" dirty="0"/>
-              <a:t>MPC</a:t>
-            </a:r>
-            <a:r>
-              <a:rPr lang="ja-JP" altLang="en-US" sz="2800"/>
-              <a:t>の計算にはモデルの現在の状態を知る必要がある．一般的に，全ての状態を計測することはできない．そのため出力と入力から推定する必要がある．本研究では，観測可能なデータを用いた提案モデルに対する状態推定器の構築を行った．</a:t>
-            </a:r>
-          </a:p>
-          <a:p>
-            <a:endParaRPr kumimoji="1" lang="ja-JP" altLang="en-US" sz="2800"/>
-          </a:p>
-        </p:txBody>
-      </p:sp>
-      <p:sp>
-        <p:nvSpPr>
           <p:cNvPr id="9" name="テキスト ボックス 8">
             <a:extLst>
               <a:ext uri="{FF2B5EF4-FFF2-40B4-BE49-F238E27FC236}">
@@ -19445,7 +19635,7 @@
             </a:r>
             <a:r>
               <a:rPr lang="ja-JP" altLang="en-US" sz="2800"/>
-              <a:t>がより良い推定結果を示した．今後はノイズを含んだデータによる推定や実際に</a:t>
+              <a:t>がより良い推定結果を示した．今後はノイズを含んだデータを用いた状態推定や実際に</a:t>
             </a:r>
             <a:r>
               <a:rPr lang="en-US" altLang="ja-JP" sz="2800" dirty="0"/>
@@ -19560,6 +19750,568 @@
           </a:fontRef>
         </p:style>
       </p:cxnSp>
+      <p:sp>
+        <p:nvSpPr>
+          <p:cNvPr id="18" name="角丸四角形 17">
+            <a:extLst>
+              <a:ext uri="{FF2B5EF4-FFF2-40B4-BE49-F238E27FC236}">
+                <a16:creationId xmlns:a16="http://schemas.microsoft.com/office/drawing/2014/main" id="{2598C6DF-0A2B-D8F0-6BBD-8A847650D685}"/>
+              </a:ext>
+            </a:extLst>
+          </p:cNvPr>
+          <p:cNvSpPr/>
+          <p:nvPr/>
+        </p:nvSpPr>
+        <p:spPr>
+          <a:xfrm>
+            <a:off x="6124453" y="26600747"/>
+            <a:ext cx="3311632" cy="1644899"/>
+          </a:xfrm>
+          <a:prstGeom prst="roundRect">
+            <a:avLst/>
+          </a:prstGeom>
+          <a:noFill/>
+          <a:ln w="79375">
+            <a:solidFill>
+              <a:srgbClr val="FF0000"/>
+            </a:solidFill>
+          </a:ln>
+        </p:spPr>
+        <p:style>
+          <a:lnRef idx="2">
+            <a:schemeClr val="accent1">
+              <a:shade val="15000"/>
+            </a:schemeClr>
+          </a:lnRef>
+          <a:fillRef idx="1">
+            <a:schemeClr val="accent1"/>
+          </a:fillRef>
+          <a:effectRef idx="0">
+            <a:schemeClr val="accent1"/>
+          </a:effectRef>
+          <a:fontRef idx="minor">
+            <a:schemeClr val="lt1"/>
+          </a:fontRef>
+        </p:style>
+        <p:txBody>
+          <a:bodyPr rtlCol="0" anchor="ctr"/>
+          <a:lstStyle/>
+          <a:p>
+            <a:pPr algn="ctr"/>
+            <a:endParaRPr kumimoji="1" lang="ja-JP" altLang="en-US"/>
+          </a:p>
+        </p:txBody>
+      </p:sp>
+      <p:sp>
+        <p:nvSpPr>
+          <p:cNvPr id="19" name="テキスト ボックス 18">
+            <a:extLst>
+              <a:ext uri="{FF2B5EF4-FFF2-40B4-BE49-F238E27FC236}">
+                <a16:creationId xmlns:a16="http://schemas.microsoft.com/office/drawing/2014/main" id="{DA93A3BC-2913-62F5-4EE8-D2E290E7A8F6}"/>
+              </a:ext>
+            </a:extLst>
+          </p:cNvPr>
+          <p:cNvSpPr txBox="1"/>
+          <p:nvPr/>
+        </p:nvSpPr>
+        <p:spPr>
+          <a:xfrm>
+            <a:off x="1091399" y="5038382"/>
+            <a:ext cx="2508219" cy="523220"/>
+          </a:xfrm>
+          <a:prstGeom prst="rect">
+            <a:avLst/>
+          </a:prstGeom>
+          <a:noFill/>
+        </p:spPr>
+        <p:txBody>
+          <a:bodyPr wrap="square" rtlCol="0">
+            <a:spAutoFit/>
+          </a:bodyPr>
+          <a:lstStyle/>
+          <a:p>
+            <a:pPr marL="457200" indent="-457200">
+              <a:buFont typeface="Wingdings" pitchFamily="2" charset="2"/>
+              <a:buChar char="n"/>
+            </a:pPr>
+            <a:r>
+              <a:rPr kumimoji="1" lang="ja-JP" altLang="en-US" sz="2800"/>
+              <a:t>１型糖尿病</a:t>
+            </a:r>
+          </a:p>
+        </p:txBody>
+      </p:sp>
+      <p:sp>
+        <p:nvSpPr>
+          <p:cNvPr id="20" name="テキスト ボックス 19">
+            <a:extLst>
+              <a:ext uri="{FF2B5EF4-FFF2-40B4-BE49-F238E27FC236}">
+                <a16:creationId xmlns:a16="http://schemas.microsoft.com/office/drawing/2014/main" id="{FCED78B2-BA10-7D0A-4F17-DEC0824B43CC}"/>
+              </a:ext>
+            </a:extLst>
+          </p:cNvPr>
+          <p:cNvSpPr txBox="1"/>
+          <p:nvPr/>
+        </p:nvSpPr>
+        <p:spPr>
+          <a:xfrm>
+            <a:off x="1547812" y="6202886"/>
+            <a:ext cx="3627692" cy="523220"/>
+          </a:xfrm>
+          <a:prstGeom prst="rect">
+            <a:avLst/>
+          </a:prstGeom>
+          <a:noFill/>
+        </p:spPr>
+        <p:txBody>
+          <a:bodyPr wrap="square" rtlCol="0">
+            <a:spAutoFit/>
+          </a:bodyPr>
+          <a:lstStyle/>
+          <a:p>
+            <a:r>
+              <a:rPr lang="ja-JP" altLang="en-US" sz="2800"/>
+              <a:t>→慢性的な高血糖</a:t>
+            </a:r>
+            <a:endParaRPr kumimoji="1" lang="ja-JP" altLang="en-US" sz="2800"/>
+          </a:p>
+        </p:txBody>
+      </p:sp>
+      <p:sp>
+        <p:nvSpPr>
+          <p:cNvPr id="21" name="テキスト ボックス 20">
+            <a:extLst>
+              <a:ext uri="{FF2B5EF4-FFF2-40B4-BE49-F238E27FC236}">
+                <a16:creationId xmlns:a16="http://schemas.microsoft.com/office/drawing/2014/main" id="{0188C20F-9F45-EAD1-17E7-C39C4C5A9E55}"/>
+              </a:ext>
+            </a:extLst>
+          </p:cNvPr>
+          <p:cNvSpPr txBox="1"/>
+          <p:nvPr/>
+        </p:nvSpPr>
+        <p:spPr>
+          <a:xfrm>
+            <a:off x="1547812" y="5642517"/>
+            <a:ext cx="4889564" cy="523220"/>
+          </a:xfrm>
+          <a:prstGeom prst="rect">
+            <a:avLst/>
+          </a:prstGeom>
+          <a:noFill/>
+        </p:spPr>
+        <p:txBody>
+          <a:bodyPr wrap="square" rtlCol="0">
+            <a:spAutoFit/>
+          </a:bodyPr>
+          <a:lstStyle/>
+          <a:p>
+            <a:r>
+              <a:rPr lang="ja-JP" altLang="en-US" sz="2800"/>
+              <a:t>→</a:t>
+            </a:r>
+            <a:r>
+              <a:rPr kumimoji="1" lang="ja-JP" altLang="en-US" sz="2800"/>
+              <a:t>体内インスリン産生の停止</a:t>
+            </a:r>
+          </a:p>
+        </p:txBody>
+      </p:sp>
+      <p:sp>
+        <p:nvSpPr>
+          <p:cNvPr id="22" name="テキスト ボックス 21">
+            <a:extLst>
+              <a:ext uri="{FF2B5EF4-FFF2-40B4-BE49-F238E27FC236}">
+                <a16:creationId xmlns:a16="http://schemas.microsoft.com/office/drawing/2014/main" id="{A05640D0-1A2B-2D41-037D-F718E86F8017}"/>
+              </a:ext>
+            </a:extLst>
+          </p:cNvPr>
+          <p:cNvSpPr txBox="1"/>
+          <p:nvPr/>
+        </p:nvSpPr>
+        <p:spPr>
+          <a:xfrm>
+            <a:off x="1188103" y="6723939"/>
+            <a:ext cx="5249273" cy="523220"/>
+          </a:xfrm>
+          <a:prstGeom prst="rect">
+            <a:avLst/>
+          </a:prstGeom>
+          <a:noFill/>
+        </p:spPr>
+        <p:txBody>
+          <a:bodyPr wrap="square" rtlCol="0">
+            <a:spAutoFit/>
+          </a:bodyPr>
+          <a:lstStyle/>
+          <a:p>
+            <a:r>
+              <a:rPr kumimoji="1" lang="ja-JP" altLang="en-US" sz="2800"/>
+              <a:t>⇨外部インスリンの投与が必要</a:t>
+            </a:r>
+          </a:p>
+        </p:txBody>
+      </p:sp>
+      <p:sp>
+        <p:nvSpPr>
+          <p:cNvPr id="23" name="テキスト ボックス 22">
+            <a:extLst>
+              <a:ext uri="{FF2B5EF4-FFF2-40B4-BE49-F238E27FC236}">
+                <a16:creationId xmlns:a16="http://schemas.microsoft.com/office/drawing/2014/main" id="{6D5B8B04-851E-60A6-F745-B5ED9E6AB31E}"/>
+              </a:ext>
+            </a:extLst>
+          </p:cNvPr>
+          <p:cNvSpPr txBox="1"/>
+          <p:nvPr/>
+        </p:nvSpPr>
+        <p:spPr>
+          <a:xfrm>
+            <a:off x="7240294" y="4887921"/>
+            <a:ext cx="4465729" cy="523220"/>
+          </a:xfrm>
+          <a:prstGeom prst="rect">
+            <a:avLst/>
+          </a:prstGeom>
+          <a:noFill/>
+        </p:spPr>
+        <p:txBody>
+          <a:bodyPr wrap="square" rtlCol="0">
+            <a:spAutoFit/>
+          </a:bodyPr>
+          <a:lstStyle/>
+          <a:p>
+            <a:pPr marL="457200" indent="-457200">
+              <a:buFont typeface="Wingdings" pitchFamily="2" charset="2"/>
+              <a:buChar char="n"/>
+            </a:pPr>
+            <a:r>
+              <a:rPr kumimoji="1" lang="ja-JP" altLang="en-US" sz="2800"/>
+              <a:t>人工膵臓</a:t>
+            </a:r>
+          </a:p>
+        </p:txBody>
+      </p:sp>
+      <p:sp>
+        <p:nvSpPr>
+          <p:cNvPr id="24" name="テキスト ボックス 23">
+            <a:extLst>
+              <a:ext uri="{FF2B5EF4-FFF2-40B4-BE49-F238E27FC236}">
+                <a16:creationId xmlns:a16="http://schemas.microsoft.com/office/drawing/2014/main" id="{85DC3F01-94F5-446A-F85D-B7EBE30EF3B3}"/>
+              </a:ext>
+            </a:extLst>
+          </p:cNvPr>
+          <p:cNvSpPr txBox="1"/>
+          <p:nvPr/>
+        </p:nvSpPr>
+        <p:spPr>
+          <a:xfrm>
+            <a:off x="7305178" y="5627369"/>
+            <a:ext cx="6868022" cy="1815882"/>
+          </a:xfrm>
+          <a:prstGeom prst="rect">
+            <a:avLst/>
+          </a:prstGeom>
+          <a:noFill/>
+        </p:spPr>
+        <p:txBody>
+          <a:bodyPr wrap="square" rtlCol="0">
+            <a:spAutoFit/>
+          </a:bodyPr>
+          <a:lstStyle/>
+          <a:p>
+            <a:r>
+              <a:rPr kumimoji="1" lang="ja-JP" altLang="en-US" sz="2800"/>
+              <a:t>⇨センサーにより血糖値を連続的に計測</a:t>
+            </a:r>
+            <a:endParaRPr kumimoji="1" lang="en-US" altLang="ja-JP" sz="2800" dirty="0"/>
+          </a:p>
+          <a:p>
+            <a:r>
+              <a:rPr lang="ja-JP" altLang="en-US" sz="2800"/>
+              <a:t>　制御器で適切なインスリン量を計算，</a:t>
+            </a:r>
+            <a:endParaRPr lang="en-US" altLang="ja-JP" sz="2800" dirty="0"/>
+          </a:p>
+          <a:p>
+            <a:r>
+              <a:rPr lang="ja-JP" altLang="en-US" sz="2800"/>
+              <a:t>　インスリンポンプによる自動投与</a:t>
+            </a:r>
+          </a:p>
+          <a:p>
+            <a:endParaRPr kumimoji="1" lang="ja-JP" altLang="en-US" sz="2800"/>
+          </a:p>
+        </p:txBody>
+      </p:sp>
+      <p:sp>
+        <p:nvSpPr>
+          <p:cNvPr id="26" name="テキスト ボックス 25">
+            <a:extLst>
+              <a:ext uri="{FF2B5EF4-FFF2-40B4-BE49-F238E27FC236}">
+                <a16:creationId xmlns:a16="http://schemas.microsoft.com/office/drawing/2014/main" id="{50E364ED-9C67-F16A-0874-98F61F59C93F}"/>
+              </a:ext>
+            </a:extLst>
+          </p:cNvPr>
+          <p:cNvSpPr txBox="1"/>
+          <p:nvPr/>
+        </p:nvSpPr>
+        <p:spPr>
+          <a:xfrm>
+            <a:off x="7305178" y="7058166"/>
+            <a:ext cx="6425588" cy="523220"/>
+          </a:xfrm>
+          <a:prstGeom prst="rect">
+            <a:avLst/>
+          </a:prstGeom>
+          <a:noFill/>
+        </p:spPr>
+        <p:txBody>
+          <a:bodyPr wrap="square" rtlCol="0">
+            <a:spAutoFit/>
+          </a:bodyPr>
+          <a:lstStyle/>
+          <a:p>
+            <a:r>
+              <a:rPr kumimoji="1" lang="ja-JP" altLang="en-US" sz="2800"/>
+              <a:t>⇨モデル予測制御による制御器の開発</a:t>
+            </a:r>
+          </a:p>
+        </p:txBody>
+      </p:sp>
+      <p:sp>
+        <p:nvSpPr>
+          <p:cNvPr id="28" name="テキスト ボックス 27">
+            <a:extLst>
+              <a:ext uri="{FF2B5EF4-FFF2-40B4-BE49-F238E27FC236}">
+                <a16:creationId xmlns:a16="http://schemas.microsoft.com/office/drawing/2014/main" id="{60FA78B8-44FC-29C0-2253-BF61CA5475AA}"/>
+              </a:ext>
+            </a:extLst>
+          </p:cNvPr>
+          <p:cNvSpPr txBox="1"/>
+          <p:nvPr/>
+        </p:nvSpPr>
+        <p:spPr>
+          <a:xfrm>
+            <a:off x="986238" y="7602829"/>
+            <a:ext cx="2613380" cy="523220"/>
+          </a:xfrm>
+          <a:prstGeom prst="rect">
+            <a:avLst/>
+          </a:prstGeom>
+          <a:noFill/>
+        </p:spPr>
+        <p:txBody>
+          <a:bodyPr wrap="square" rtlCol="0">
+            <a:spAutoFit/>
+          </a:bodyPr>
+          <a:lstStyle/>
+          <a:p>
+            <a:r>
+              <a:rPr lang="ja-JP" altLang="en-US" sz="2800"/>
+              <a:t>糖代謝</a:t>
+            </a:r>
+            <a:r>
+              <a:rPr kumimoji="1" lang="ja-JP" altLang="en-US" sz="2800"/>
+              <a:t>モデル</a:t>
+            </a:r>
+          </a:p>
+        </p:txBody>
+      </p:sp>
+      <p:sp>
+        <p:nvSpPr>
+          <p:cNvPr id="29" name="テキスト ボックス 28">
+            <a:extLst>
+              <a:ext uri="{FF2B5EF4-FFF2-40B4-BE49-F238E27FC236}">
+                <a16:creationId xmlns:a16="http://schemas.microsoft.com/office/drawing/2014/main" id="{E89A9253-D3BB-08E2-3003-66E38C445E34}"/>
+              </a:ext>
+            </a:extLst>
+          </p:cNvPr>
+          <p:cNvSpPr txBox="1"/>
+          <p:nvPr/>
+        </p:nvSpPr>
+        <p:spPr>
+          <a:xfrm>
+            <a:off x="1188103" y="8241007"/>
+            <a:ext cx="7261350" cy="523220"/>
+          </a:xfrm>
+          <a:prstGeom prst="rect">
+            <a:avLst/>
+          </a:prstGeom>
+          <a:noFill/>
+        </p:spPr>
+        <p:txBody>
+          <a:bodyPr wrap="square" rtlCol="0">
+            <a:spAutoFit/>
+          </a:bodyPr>
+          <a:lstStyle/>
+          <a:p>
+            <a:r>
+              <a:rPr lang="ja-JP" altLang="en-US" sz="2800"/>
+              <a:t>グルコース</a:t>
+            </a:r>
+            <a:r>
+              <a:rPr lang="en-US" altLang="ja-JP" sz="2800" dirty="0"/>
+              <a:t>-</a:t>
+            </a:r>
+            <a:r>
+              <a:rPr lang="ja-JP" altLang="en-US" sz="2800"/>
+              <a:t>インスリン動態切り換えモデル</a:t>
+            </a:r>
+            <a:endParaRPr kumimoji="1" lang="ja-JP" altLang="en-US" sz="2800"/>
+          </a:p>
+        </p:txBody>
+      </p:sp>
+      <p:sp>
+        <p:nvSpPr>
+          <p:cNvPr id="32" name="テキスト ボックス 31">
+            <a:extLst>
+              <a:ext uri="{FF2B5EF4-FFF2-40B4-BE49-F238E27FC236}">
+                <a16:creationId xmlns:a16="http://schemas.microsoft.com/office/drawing/2014/main" id="{93616C0C-CC2B-6595-9B39-44A18F5568D7}"/>
+              </a:ext>
+            </a:extLst>
+          </p:cNvPr>
+          <p:cNvSpPr txBox="1"/>
+          <p:nvPr/>
+        </p:nvSpPr>
+        <p:spPr>
+          <a:xfrm>
+            <a:off x="2346391" y="10344341"/>
+            <a:ext cx="12540855" cy="523220"/>
+          </a:xfrm>
+          <a:prstGeom prst="rect">
+            <a:avLst/>
+          </a:prstGeom>
+          <a:noFill/>
+        </p:spPr>
+        <p:txBody>
+          <a:bodyPr wrap="square" rtlCol="0">
+            <a:spAutoFit/>
+          </a:bodyPr>
+          <a:lstStyle/>
+          <a:p>
+            <a:r>
+              <a:rPr kumimoji="1" lang="ja-JP" altLang="en-US" sz="2800"/>
+              <a:t>目的：グルコース</a:t>
+            </a:r>
+            <a:r>
+              <a:rPr kumimoji="1" lang="en-US" altLang="ja-JP" sz="2800" dirty="0"/>
+              <a:t>-</a:t>
+            </a:r>
+            <a:r>
+              <a:rPr kumimoji="1" lang="ja-JP" altLang="en-US" sz="2800"/>
+              <a:t>インスリン動態切り換えモデルに対する状態推定器の構築</a:t>
+            </a:r>
+          </a:p>
+        </p:txBody>
+      </p:sp>
+      <p:sp>
+        <p:nvSpPr>
+          <p:cNvPr id="33" name="テキスト ボックス 32">
+            <a:extLst>
+              <a:ext uri="{FF2B5EF4-FFF2-40B4-BE49-F238E27FC236}">
+                <a16:creationId xmlns:a16="http://schemas.microsoft.com/office/drawing/2014/main" id="{671F0559-6581-EF2E-2BFD-1A0DF810E319}"/>
+              </a:ext>
+            </a:extLst>
+          </p:cNvPr>
+          <p:cNvSpPr txBox="1"/>
+          <p:nvPr/>
+        </p:nvSpPr>
+        <p:spPr>
+          <a:xfrm>
+            <a:off x="1405594" y="8832320"/>
+            <a:ext cx="7097717" cy="523220"/>
+          </a:xfrm>
+          <a:prstGeom prst="rect">
+            <a:avLst/>
+          </a:prstGeom>
+          <a:noFill/>
+        </p:spPr>
+        <p:txBody>
+          <a:bodyPr wrap="square" rtlCol="0">
+            <a:spAutoFit/>
+          </a:bodyPr>
+          <a:lstStyle/>
+          <a:p>
+            <a:r>
+              <a:rPr lang="ja-JP" altLang="en-US" sz="2800"/>
+              <a:t>患者ごとの特性を表す</a:t>
+            </a:r>
+            <a:r>
+              <a:rPr kumimoji="1" lang="ja-JP" altLang="en-US" sz="2800"/>
+              <a:t>制御志向モデル</a:t>
+            </a:r>
+          </a:p>
+        </p:txBody>
+      </p:sp>
+      <p:sp>
+        <p:nvSpPr>
+          <p:cNvPr id="34" name="テキスト ボックス 33">
+            <a:extLst>
+              <a:ext uri="{FF2B5EF4-FFF2-40B4-BE49-F238E27FC236}">
+                <a16:creationId xmlns:a16="http://schemas.microsoft.com/office/drawing/2014/main" id="{11C588B6-76EE-2B1F-E43F-BA8FAB0C8AB0}"/>
+              </a:ext>
+            </a:extLst>
+          </p:cNvPr>
+          <p:cNvSpPr txBox="1"/>
+          <p:nvPr/>
+        </p:nvSpPr>
+        <p:spPr>
+          <a:xfrm>
+            <a:off x="8155170" y="7729799"/>
+            <a:ext cx="5575596" cy="954107"/>
+          </a:xfrm>
+          <a:prstGeom prst="rect">
+            <a:avLst/>
+          </a:prstGeom>
+          <a:noFill/>
+        </p:spPr>
+        <p:txBody>
+          <a:bodyPr wrap="square" rtlCol="0">
+            <a:spAutoFit/>
+          </a:bodyPr>
+          <a:lstStyle/>
+          <a:p>
+            <a:r>
+              <a:rPr kumimoji="1" lang="ja-JP" altLang="en-US" sz="2800"/>
+              <a:t>モデル予測制御では制御モデルのすべての状態が必要</a:t>
+            </a:r>
+          </a:p>
+        </p:txBody>
+      </p:sp>
+      <p:sp>
+        <p:nvSpPr>
+          <p:cNvPr id="41" name="テキスト ボックス 40">
+            <a:extLst>
+              <a:ext uri="{FF2B5EF4-FFF2-40B4-BE49-F238E27FC236}">
+                <a16:creationId xmlns:a16="http://schemas.microsoft.com/office/drawing/2014/main" id="{323E1C71-2FA1-71E7-DE6D-1FA8E41A4D80}"/>
+              </a:ext>
+            </a:extLst>
+          </p:cNvPr>
+          <p:cNvSpPr txBox="1"/>
+          <p:nvPr/>
+        </p:nvSpPr>
+        <p:spPr>
+          <a:xfrm>
+            <a:off x="8125009" y="8779681"/>
+            <a:ext cx="5575596" cy="523220"/>
+          </a:xfrm>
+          <a:prstGeom prst="rect">
+            <a:avLst/>
+          </a:prstGeom>
+          <a:noFill/>
+        </p:spPr>
+        <p:txBody>
+          <a:bodyPr wrap="square" rtlCol="0">
+            <a:spAutoFit/>
+          </a:bodyPr>
+          <a:lstStyle/>
+          <a:p>
+            <a:r>
+              <a:rPr kumimoji="1" lang="ja-JP" altLang="en-US" sz="2800"/>
+              <a:t>入出力から推定する必要がある</a:t>
+            </a:r>
+          </a:p>
+        </p:txBody>
+      </p:sp>
     </p:spTree>
     <p:extLst>
       <p:ext uri="{BB962C8B-B14F-4D97-AF65-F5344CB8AC3E}">

--- a/01poster_oukan.pptx
+++ b/01poster_oukan.pptx
@@ -19428,7 +19428,7 @@
         <p:spPr>
           <a:xfrm>
             <a:off x="15732077" y="38335391"/>
-            <a:ext cx="13801733" cy="1569660"/>
+            <a:ext cx="13801733" cy="2062103"/>
           </a:xfrm>
           <a:prstGeom prst="rect">
             <a:avLst/>
@@ -19463,9 +19463,28 @@
             <a:endParaRPr lang="en-US" altLang="ja-JP" sz="3200" dirty="0"/>
           </a:p>
           <a:p>
+            <a:pPr marL="457200" indent="-457200">
+              <a:buFont typeface="Wingdings" panose="05000000000000000000" pitchFamily="2" charset="2"/>
+              <a:buChar char="n"/>
+            </a:pPr>
             <a:r>
               <a:rPr lang="ja-JP" altLang="en-US" sz="3200" dirty="0"/>
-              <a:t>　 ⇨構築した状態推定器は，モデル予測制御への適応が可能</a:t>
+              <a:t>オブザーバより</a:t>
+            </a:r>
+            <a:r>
+              <a:rPr lang="en-US" altLang="ja-JP" sz="3200" dirty="0"/>
+              <a:t>EKF</a:t>
+            </a:r>
+            <a:r>
+              <a:rPr lang="ja-JP" altLang="en-US" sz="3200" dirty="0"/>
+              <a:t>のほうが良い推定結果を示した．</a:t>
+            </a:r>
+            <a:endParaRPr lang="en-US" altLang="ja-JP" sz="3200" dirty="0"/>
+          </a:p>
+          <a:p>
+            <a:r>
+              <a:rPr lang="ja-JP" altLang="en-US" sz="3200" dirty="0"/>
+              <a:t>　</a:t>
             </a:r>
             <a:endParaRPr kumimoji="1" lang="en-US" altLang="ja-JP" sz="3200" dirty="0"/>
           </a:p>

--- a/01poster_oukan.pptx
+++ b/01poster_oukan.pptx
@@ -227,7 +227,7 @@
           <a:p>
             <a:fld id="{6744F44F-C54D-4C9B-8D0A-99995B90894A}" type="datetimeFigureOut">
               <a:rPr kumimoji="1" lang="ja-JP" altLang="en-US" smtClean="0"/>
-              <a:t>2025/12/7</a:t>
+              <a:t>2025/12/8</a:t>
             </a:fld>
             <a:endParaRPr kumimoji="1" lang="ja-JP" altLang="en-US"/>
           </a:p>
@@ -408,7 +408,7 @@
           <a:p>
             <a:fld id="{66AD0D6B-84F8-0A45-ADC1-3C71FDF4AF14}" type="datetimeFigureOut">
               <a:rPr lang="en-JP" smtClean="0"/>
-              <a:t>12/07/2025</a:t>
+              <a:t>12/8/25</a:t>
             </a:fld>
             <a:endParaRPr lang="en-JP"/>
           </a:p>
@@ -936,7 +936,7 @@
           <a:p>
             <a:fld id="{349FECF2-E9B2-44FB-B3C1-6F1ABD30BEDF}" type="datetime1">
               <a:rPr lang="LID4096" altLang="ja-JP" smtClean="0"/>
-              <a:t>12/07/2025</a:t>
+              <a:t>12/8/25</a:t>
             </a:fld>
             <a:endParaRPr lang="en-JP"/>
           </a:p>
@@ -1166,7 +1166,7 @@
           <a:p>
             <a:fld id="{E1716868-4E8C-4E9E-B32E-86466688C38E}" type="datetime1">
               <a:rPr lang="LID4096" altLang="ja-JP" smtClean="0"/>
-              <a:t>12/07/2025</a:t>
+              <a:t>12/8/25</a:t>
             </a:fld>
             <a:endParaRPr lang="en-JP"/>
           </a:p>
@@ -1406,7 +1406,7 @@
           <a:p>
             <a:fld id="{02619D8D-BF18-40AE-BFF4-DB66FCFC9271}" type="datetime1">
               <a:rPr lang="LID4096" altLang="ja-JP" smtClean="0"/>
-              <a:t>12/07/2025</a:t>
+              <a:t>12/8/25</a:t>
             </a:fld>
             <a:endParaRPr lang="en-JP"/>
           </a:p>
@@ -1636,7 +1636,7 @@
           <a:p>
             <a:fld id="{09202299-8DBC-4245-87C6-3E62A2ACA6A6}" type="datetime1">
               <a:rPr lang="LID4096" altLang="ja-JP" smtClean="0"/>
-              <a:t>12/07/2025</a:t>
+              <a:t>12/8/25</a:t>
             </a:fld>
             <a:endParaRPr lang="en-JP"/>
           </a:p>
@@ -1911,7 +1911,7 @@
           <a:p>
             <a:fld id="{39490C1E-006A-471F-A583-7AAA8224009B}" type="datetime1">
               <a:rPr lang="LID4096" altLang="ja-JP" smtClean="0"/>
-              <a:t>12/07/2025</a:t>
+              <a:t>12/8/25</a:t>
             </a:fld>
             <a:endParaRPr lang="en-JP"/>
           </a:p>
@@ -2240,7 +2240,7 @@
           <a:p>
             <a:fld id="{8F14F39A-FAA3-4B27-BC07-2AA343CBE051}" type="datetime1">
               <a:rPr lang="LID4096" altLang="ja-JP" smtClean="0"/>
-              <a:t>12/07/2025</a:t>
+              <a:t>12/8/25</a:t>
             </a:fld>
             <a:endParaRPr lang="en-JP"/>
           </a:p>
@@ -2716,7 +2716,7 @@
           <a:p>
             <a:fld id="{350AD22A-55F2-4547-A5CA-A5A999E6556D}" type="datetime1">
               <a:rPr lang="LID4096" altLang="ja-JP" smtClean="0"/>
-              <a:t>12/07/2025</a:t>
+              <a:t>12/8/25</a:t>
             </a:fld>
             <a:endParaRPr lang="en-JP"/>
           </a:p>
@@ -2857,7 +2857,7 @@
           <a:p>
             <a:fld id="{D1E7EEDF-E3BE-4535-8538-9CF15E9FEAAB}" type="datetime1">
               <a:rPr lang="LID4096" altLang="ja-JP" smtClean="0"/>
-              <a:t>12/07/2025</a:t>
+              <a:t>12/8/25</a:t>
             </a:fld>
             <a:endParaRPr lang="en-JP"/>
           </a:p>
@@ -2970,7 +2970,7 @@
           <a:p>
             <a:fld id="{C90845DA-CECE-4290-9A52-6E01FD60E4F0}" type="datetime1">
               <a:rPr lang="LID4096" altLang="ja-JP" smtClean="0"/>
-              <a:t>12/07/2025</a:t>
+              <a:t>12/8/25</a:t>
             </a:fld>
             <a:endParaRPr lang="en-JP"/>
           </a:p>
@@ -3313,7 +3313,7 @@
           <a:p>
             <a:fld id="{66506D8A-3A14-4426-A8F0-6A46E306C20B}" type="datetime1">
               <a:rPr lang="LID4096" altLang="ja-JP" smtClean="0"/>
-              <a:t>12/07/2025</a:t>
+              <a:t>12/8/25</a:t>
             </a:fld>
             <a:endParaRPr lang="en-JP"/>
           </a:p>
@@ -3601,7 +3601,7 @@
           <a:p>
             <a:fld id="{CE7E1F37-E86F-4380-AB65-0EB41FBEEA80}" type="datetime1">
               <a:rPr lang="LID4096" altLang="ja-JP" smtClean="0"/>
-              <a:t>12/07/2025</a:t>
+              <a:t>12/8/25</a:t>
             </a:fld>
             <a:endParaRPr lang="en-JP"/>
           </a:p>
@@ -3874,7 +3874,7 @@
           <a:p>
             <a:fld id="{1B4F68B4-EECE-4B65-B2C5-259CAB63F02A}" type="datetime1">
               <a:rPr lang="LID4096" altLang="ja-JP" smtClean="0"/>
-              <a:t>12/07/2025</a:t>
+              <a:t>12/8/25</a:t>
             </a:fld>
             <a:endParaRPr lang="en-JP"/>
           </a:p>
@@ -4316,10 +4316,10 @@
         </p:nvGrpSpPr>
         <p:grpSpPr>
           <a:xfrm>
-            <a:off x="467606" y="311203"/>
-            <a:ext cx="29340000" cy="2700000"/>
-            <a:chOff x="438527" y="1219264"/>
-            <a:chExt cx="29340000" cy="2700000"/>
+            <a:off x="580100" y="424020"/>
+            <a:ext cx="29227506" cy="2700000"/>
+            <a:chOff x="551021" y="1219264"/>
+            <a:chExt cx="29227506" cy="2700000"/>
           </a:xfrm>
           <a:solidFill>
             <a:schemeClr val="bg1"/>
@@ -4339,8 +4339,8 @@
           </p:nvSpPr>
           <p:spPr>
             <a:xfrm>
-              <a:off x="438527" y="1219264"/>
-              <a:ext cx="29340000" cy="2700000"/>
+              <a:off x="551021" y="1219264"/>
+              <a:ext cx="29227506" cy="2700000"/>
             </a:xfrm>
             <a:prstGeom prst="rect">
               <a:avLst/>
@@ -4565,7 +4565,7 @@
         </p:nvSpPr>
         <p:spPr>
           <a:xfrm>
-            <a:off x="608408" y="3637127"/>
+            <a:off x="571832" y="3637127"/>
             <a:ext cx="14343722" cy="24879600"/>
           </a:xfrm>
           <a:prstGeom prst="rect">
@@ -4991,7 +4991,7 @@
         </p:nvSpPr>
         <p:spPr>
           <a:xfrm>
-            <a:off x="18426814" y="24977888"/>
+            <a:off x="18430384" y="24608447"/>
             <a:ext cx="8393062" cy="523220"/>
           </a:xfrm>
           <a:prstGeom prst="rect">
@@ -5096,7 +5096,7 @@
         </p:nvSpPr>
         <p:spPr>
           <a:xfrm>
-            <a:off x="15848240" y="14961346"/>
+            <a:off x="15854296" y="14741793"/>
             <a:ext cx="3101904" cy="653728"/>
           </a:xfrm>
           <a:prstGeom prst="rect">
@@ -5136,7 +5136,7 @@
         </p:nvCxnSpPr>
         <p:spPr>
           <a:xfrm>
-            <a:off x="15780424" y="14932447"/>
+            <a:off x="15780424" y="14741793"/>
             <a:ext cx="0" cy="2729137"/>
           </a:xfrm>
           <a:prstGeom prst="line">
@@ -5173,7 +5173,7 @@
         </p:nvSpPr>
         <p:spPr>
           <a:xfrm>
-            <a:off x="15848240" y="15599481"/>
+            <a:off x="15854296" y="15379928"/>
             <a:ext cx="13331852" cy="2062103"/>
           </a:xfrm>
           <a:prstGeom prst="rect">
@@ -5339,7 +5339,7 @@
         </p:nvSpPr>
         <p:spPr>
           <a:xfrm>
-            <a:off x="543524" y="28787808"/>
+            <a:off x="580100" y="28787808"/>
             <a:ext cx="14343722" cy="11866257"/>
           </a:xfrm>
           <a:custGeom>
@@ -20573,7 +20573,7 @@
         </p:nvGrpSpPr>
         <p:grpSpPr>
           <a:xfrm>
-            <a:off x="15793062" y="18054074"/>
+            <a:off x="15780424" y="17911714"/>
             <a:ext cx="13924542" cy="6724121"/>
             <a:chOff x="1981000" y="740200"/>
             <a:chExt cx="25494693" cy="12311315"/>
@@ -20746,7 +20746,7 @@
         </p:nvGrpSpPr>
         <p:grpSpPr>
           <a:xfrm>
-            <a:off x="15651060" y="27414184"/>
+            <a:off x="15592542" y="27534080"/>
             <a:ext cx="14077074" cy="6856831"/>
             <a:chOff x="1981000" y="686696"/>
             <a:chExt cx="25384973" cy="12364819"/>
@@ -20918,13 +20918,13 @@
           <p:nvPr>
             <p:extLst>
               <p:ext uri="{D42A27DB-BD31-4B8C-83A1-F6EECF244321}">
-                <p14:modId xmlns:p14="http://schemas.microsoft.com/office/powerpoint/2010/main" val="3531916992"/>
+                <p14:modId xmlns:p14="http://schemas.microsoft.com/office/powerpoint/2010/main" val="1810369986"/>
               </p:ext>
             </p:extLst>
           </p:nvPr>
         </p:nvGraphicFramePr>
         <p:xfrm>
-          <a:off x="15850726" y="25620412"/>
+          <a:off x="15854296" y="25250971"/>
           <a:ext cx="13545237" cy="1568277"/>
         </p:xfrm>
         <a:graphic>
@@ -21377,9 +21377,10 @@
                         <a:t>4</a:t>
                       </a:r>
                       <a:r>
-                        <a:rPr kumimoji="1" lang="ja-JP" altLang="en-US" sz="2400" dirty="0"/>
-                        <a:t>日目</a:t>
+                        <a:rPr kumimoji="1" lang="ja-JP" altLang="en-US" sz="2400"/>
+                        <a:t>日間</a:t>
                       </a:r>
+                      <a:endParaRPr kumimoji="1" lang="ja-JP" altLang="en-US" sz="2400" dirty="0"/>
                     </a:p>
                   </a:txBody>
                   <a:tcPr/>
@@ -21764,7 +21765,7 @@
           <p:nvPr>
             <p:extLst>
               <p:ext uri="{D42A27DB-BD31-4B8C-83A1-F6EECF244321}">
-                <p14:modId xmlns:p14="http://schemas.microsoft.com/office/powerpoint/2010/main" val="3383262190"/>
+                <p14:modId xmlns:p14="http://schemas.microsoft.com/office/powerpoint/2010/main" val="4244560796"/>
               </p:ext>
             </p:extLst>
           </p:nvPr>
@@ -22223,9 +22224,10 @@
                         <a:t>4</a:t>
                       </a:r>
                       <a:r>
-                        <a:rPr kumimoji="1" lang="ja-JP" altLang="en-US" sz="2400" dirty="0"/>
-                        <a:t>日目</a:t>
+                        <a:rPr kumimoji="1" lang="ja-JP" altLang="en-US" sz="2400"/>
+                        <a:t>日間</a:t>
                       </a:r>
+                      <a:endParaRPr kumimoji="1" lang="ja-JP" altLang="en-US" sz="2400" dirty="0"/>
                     </a:p>
                   </a:txBody>
                   <a:tcPr/>
@@ -22626,6 +22628,119 @@
           </a:graphicData>
         </a:graphic>
       </p:graphicFrame>
+      <p:sp>
+        <p:nvSpPr>
+          <p:cNvPr id="33" name="テキスト ボックス 32">
+            <a:extLst>
+              <a:ext uri="{FF2B5EF4-FFF2-40B4-BE49-F238E27FC236}">
+                <a16:creationId xmlns:a16="http://schemas.microsoft.com/office/drawing/2014/main" id="{8944EB55-9B75-6C5F-97D5-5D05711883C0}"/>
+              </a:ext>
+            </a:extLst>
+          </p:cNvPr>
+          <p:cNvSpPr txBox="1"/>
+          <p:nvPr/>
+        </p:nvSpPr>
+        <p:spPr>
+          <a:xfrm>
+            <a:off x="15700000" y="17540295"/>
+            <a:ext cx="8393062" cy="523220"/>
+          </a:xfrm>
+          <a:prstGeom prst="rect">
+            <a:avLst/>
+          </a:prstGeom>
+          <a:noFill/>
+        </p:spPr>
+        <p:txBody>
+          <a:bodyPr wrap="square" rtlCol="0">
+            <a:spAutoFit/>
+          </a:bodyPr>
+          <a:lstStyle/>
+          <a:p>
+            <a:pPr marL="457200" indent="-457200">
+              <a:buFont typeface="Wingdings" pitchFamily="2" charset="2"/>
+              <a:buChar char="n"/>
+            </a:pPr>
+            <a:r>
+              <a:rPr kumimoji="1" lang="ja-JP" altLang="en-US" sz="2800" b="1">
+                <a:latin typeface="メイリオ" panose="020B0604030504040204" pitchFamily="50" charset="-128"/>
+                <a:ea typeface="メイリオ" panose="020B0604030504040204" pitchFamily="50" charset="-128"/>
+              </a:rPr>
+              <a:t>オブザーバ</a:t>
+            </a:r>
+            <a:r>
+              <a:rPr lang="ja-JP" altLang="en-US" sz="2800" b="1">
+                <a:latin typeface="メイリオ" panose="020B0604030504040204" pitchFamily="50" charset="-128"/>
+                <a:ea typeface="メイリオ" panose="020B0604030504040204" pitchFamily="50" charset="-128"/>
+              </a:rPr>
+              <a:t>による推定結果</a:t>
+            </a:r>
+            <a:endParaRPr kumimoji="1" lang="ja-JP" altLang="en-US" sz="2800" b="1" dirty="0">
+              <a:latin typeface="メイリオ" panose="020B0604030504040204" pitchFamily="50" charset="-128"/>
+              <a:ea typeface="メイリオ" panose="020B0604030504040204" pitchFamily="50" charset="-128"/>
+            </a:endParaRPr>
+          </a:p>
+        </p:txBody>
+      </p:sp>
+      <p:sp>
+        <p:nvSpPr>
+          <p:cNvPr id="37" name="テキスト ボックス 36">
+            <a:extLst>
+              <a:ext uri="{FF2B5EF4-FFF2-40B4-BE49-F238E27FC236}">
+                <a16:creationId xmlns:a16="http://schemas.microsoft.com/office/drawing/2014/main" id="{7BC4781B-7326-8EFA-78C6-53FB2BC7370F}"/>
+              </a:ext>
+            </a:extLst>
+          </p:cNvPr>
+          <p:cNvSpPr txBox="1"/>
+          <p:nvPr/>
+        </p:nvSpPr>
+        <p:spPr>
+          <a:xfrm>
+            <a:off x="15700000" y="27080304"/>
+            <a:ext cx="8393062" cy="523220"/>
+          </a:xfrm>
+          <a:prstGeom prst="rect">
+            <a:avLst/>
+          </a:prstGeom>
+          <a:noFill/>
+        </p:spPr>
+        <p:txBody>
+          <a:bodyPr wrap="square" rtlCol="0">
+            <a:spAutoFit/>
+          </a:bodyPr>
+          <a:lstStyle/>
+          <a:p>
+            <a:pPr marL="457200" indent="-457200">
+              <a:buFont typeface="Wingdings" pitchFamily="2" charset="2"/>
+              <a:buChar char="n"/>
+            </a:pPr>
+            <a:r>
+              <a:rPr lang="ja-JP" altLang="en-US" sz="2800" b="1">
+                <a:latin typeface="メイリオ" panose="020B0604030504040204" pitchFamily="50" charset="-128"/>
+                <a:ea typeface="メイリオ" panose="020B0604030504040204" pitchFamily="50" charset="-128"/>
+              </a:rPr>
+              <a:t>拡張カルマンフィルタ</a:t>
+            </a:r>
+            <a:r>
+              <a:rPr lang="en-US" altLang="ja-JP" sz="2800" b="1" dirty="0">
+                <a:latin typeface="メイリオ" panose="020B0604030504040204" pitchFamily="50" charset="-128"/>
+                <a:ea typeface="メイリオ" panose="020B0604030504040204" pitchFamily="50" charset="-128"/>
+              </a:rPr>
+              <a:t>(EKF)</a:t>
+            </a:r>
+            <a:r>
+              <a:rPr lang="ja-JP" altLang="en-US" sz="2800" b="1">
+                <a:latin typeface="メイリオ" panose="020B0604030504040204" pitchFamily="50" charset="-128"/>
+                <a:ea typeface="メイリオ" panose="020B0604030504040204" pitchFamily="50" charset="-128"/>
+              </a:rPr>
+              <a:t>による推定結果</a:t>
+            </a:r>
+            <a:endParaRPr kumimoji="1" lang="ja-JP" altLang="en-US" sz="2800" b="1" dirty="0">
+              <a:latin typeface="メイリオ" panose="020B0604030504040204" pitchFamily="50" charset="-128"/>
+              <a:ea typeface="メイリオ" panose="020B0604030504040204" pitchFamily="50" charset="-128"/>
+            </a:endParaRPr>
+          </a:p>
+        </p:txBody>
+      </p:sp>
     </p:spTree>
     <p:extLst>
       <p:ext uri="{BB962C8B-B14F-4D97-AF65-F5344CB8AC3E}">

--- a/01poster_oukan.pptx
+++ b/01poster_oukan.pptx
@@ -227,7 +227,7 @@
           <a:p>
             <a:fld id="{6744F44F-C54D-4C9B-8D0A-99995B90894A}" type="datetimeFigureOut">
               <a:rPr kumimoji="1" lang="ja-JP" altLang="en-US" smtClean="0"/>
-              <a:t>2025/12/8</a:t>
+              <a:t>2025/12/9</a:t>
             </a:fld>
             <a:endParaRPr kumimoji="1" lang="ja-JP" altLang="en-US"/>
           </a:p>
@@ -408,7 +408,7 @@
           <a:p>
             <a:fld id="{66AD0D6B-84F8-0A45-ADC1-3C71FDF4AF14}" type="datetimeFigureOut">
               <a:rPr lang="en-JP" smtClean="0"/>
-              <a:t>12/8/25</a:t>
+              <a:t>12/9/25</a:t>
             </a:fld>
             <a:endParaRPr lang="en-JP"/>
           </a:p>
@@ -936,7 +936,7 @@
           <a:p>
             <a:fld id="{349FECF2-E9B2-44FB-B3C1-6F1ABD30BEDF}" type="datetime1">
               <a:rPr lang="LID4096" altLang="ja-JP" smtClean="0"/>
-              <a:t>12/8/25</a:t>
+              <a:t>12/9/25</a:t>
             </a:fld>
             <a:endParaRPr lang="en-JP"/>
           </a:p>
@@ -1166,7 +1166,7 @@
           <a:p>
             <a:fld id="{E1716868-4E8C-4E9E-B32E-86466688C38E}" type="datetime1">
               <a:rPr lang="LID4096" altLang="ja-JP" smtClean="0"/>
-              <a:t>12/8/25</a:t>
+              <a:t>12/9/25</a:t>
             </a:fld>
             <a:endParaRPr lang="en-JP"/>
           </a:p>
@@ -1406,7 +1406,7 @@
           <a:p>
             <a:fld id="{02619D8D-BF18-40AE-BFF4-DB66FCFC9271}" type="datetime1">
               <a:rPr lang="LID4096" altLang="ja-JP" smtClean="0"/>
-              <a:t>12/8/25</a:t>
+              <a:t>12/9/25</a:t>
             </a:fld>
             <a:endParaRPr lang="en-JP"/>
           </a:p>
@@ -1636,7 +1636,7 @@
           <a:p>
             <a:fld id="{09202299-8DBC-4245-87C6-3E62A2ACA6A6}" type="datetime1">
               <a:rPr lang="LID4096" altLang="ja-JP" smtClean="0"/>
-              <a:t>12/8/25</a:t>
+              <a:t>12/9/25</a:t>
             </a:fld>
             <a:endParaRPr lang="en-JP"/>
           </a:p>
@@ -1911,7 +1911,7 @@
           <a:p>
             <a:fld id="{39490C1E-006A-471F-A583-7AAA8224009B}" type="datetime1">
               <a:rPr lang="LID4096" altLang="ja-JP" smtClean="0"/>
-              <a:t>12/8/25</a:t>
+              <a:t>12/9/25</a:t>
             </a:fld>
             <a:endParaRPr lang="en-JP"/>
           </a:p>
@@ -2240,7 +2240,7 @@
           <a:p>
             <a:fld id="{8F14F39A-FAA3-4B27-BC07-2AA343CBE051}" type="datetime1">
               <a:rPr lang="LID4096" altLang="ja-JP" smtClean="0"/>
-              <a:t>12/8/25</a:t>
+              <a:t>12/9/25</a:t>
             </a:fld>
             <a:endParaRPr lang="en-JP"/>
           </a:p>
@@ -2716,7 +2716,7 @@
           <a:p>
             <a:fld id="{350AD22A-55F2-4547-A5CA-A5A999E6556D}" type="datetime1">
               <a:rPr lang="LID4096" altLang="ja-JP" smtClean="0"/>
-              <a:t>12/8/25</a:t>
+              <a:t>12/9/25</a:t>
             </a:fld>
             <a:endParaRPr lang="en-JP"/>
           </a:p>
@@ -2857,7 +2857,7 @@
           <a:p>
             <a:fld id="{D1E7EEDF-E3BE-4535-8538-9CF15E9FEAAB}" type="datetime1">
               <a:rPr lang="LID4096" altLang="ja-JP" smtClean="0"/>
-              <a:t>12/8/25</a:t>
+              <a:t>12/9/25</a:t>
             </a:fld>
             <a:endParaRPr lang="en-JP"/>
           </a:p>
@@ -2970,7 +2970,7 @@
           <a:p>
             <a:fld id="{C90845DA-CECE-4290-9A52-6E01FD60E4F0}" type="datetime1">
               <a:rPr lang="LID4096" altLang="ja-JP" smtClean="0"/>
-              <a:t>12/8/25</a:t>
+              <a:t>12/9/25</a:t>
             </a:fld>
             <a:endParaRPr lang="en-JP"/>
           </a:p>
@@ -3313,7 +3313,7 @@
           <a:p>
             <a:fld id="{66506D8A-3A14-4426-A8F0-6A46E306C20B}" type="datetime1">
               <a:rPr lang="LID4096" altLang="ja-JP" smtClean="0"/>
-              <a:t>12/8/25</a:t>
+              <a:t>12/9/25</a:t>
             </a:fld>
             <a:endParaRPr lang="en-JP"/>
           </a:p>
@@ -3601,7 +3601,7 @@
           <a:p>
             <a:fld id="{CE7E1F37-E86F-4380-AB65-0EB41FBEEA80}" type="datetime1">
               <a:rPr lang="LID4096" altLang="ja-JP" smtClean="0"/>
-              <a:t>12/8/25</a:t>
+              <a:t>12/9/25</a:t>
             </a:fld>
             <a:endParaRPr lang="en-JP"/>
           </a:p>
@@ -3874,7 +3874,7 @@
           <a:p>
             <a:fld id="{1B4F68B4-EECE-4B65-B2C5-259CAB63F02A}" type="datetime1">
               <a:rPr lang="LID4096" altLang="ja-JP" smtClean="0"/>
-              <a:t>12/8/25</a:t>
+              <a:t>12/9/25</a:t>
             </a:fld>
             <a:endParaRPr lang="en-JP"/>
           </a:p>
@@ -4991,8 +4991,8 @@
         </p:nvSpPr>
         <p:spPr>
           <a:xfrm>
-            <a:off x="18430384" y="24608447"/>
-            <a:ext cx="8393062" cy="523220"/>
+            <a:off x="19134290" y="24953867"/>
+            <a:ext cx="6985247" cy="523220"/>
           </a:xfrm>
           <a:prstGeom prst="rect">
             <a:avLst/>
@@ -5040,8 +5040,8 @@
         </p:nvSpPr>
         <p:spPr>
           <a:xfrm>
-            <a:off x="19059320" y="34480647"/>
-            <a:ext cx="7128051" cy="523220"/>
+            <a:off x="19697565" y="34366578"/>
+            <a:ext cx="6084749" cy="523220"/>
           </a:xfrm>
           <a:prstGeom prst="rect">
             <a:avLst/>
@@ -19477,16 +19477,28 @@
             </a:r>
             <a:r>
               <a:rPr lang="ja-JP" altLang="en-US" sz="3200" dirty="0"/>
-              <a:t>のほうが良い推定結果を示した．</a:t>
+              <a:t>のほうが良い推定結果を</a:t>
+            </a:r>
+            <a:r>
+              <a:rPr lang="ja-JP" altLang="en-US" sz="3200"/>
+              <a:t>示した．</a:t>
             </a:r>
             <a:endParaRPr lang="en-US" altLang="ja-JP" sz="3200" dirty="0"/>
           </a:p>
           <a:p>
             <a:r>
-              <a:rPr lang="ja-JP" altLang="en-US" sz="3200" dirty="0"/>
-              <a:t>　</a:t>
-            </a:r>
-            <a:endParaRPr kumimoji="1" lang="en-US" altLang="ja-JP" sz="3200" dirty="0"/>
+              <a:rPr lang="ja-JP" altLang="en-US" sz="3200"/>
+              <a:t>⇨状態推定器を構築でたので，</a:t>
+            </a:r>
+            <a:r>
+              <a:rPr lang="en-US" altLang="ja-JP" sz="3200" dirty="0"/>
+              <a:t>MPC</a:t>
+            </a:r>
+            <a:r>
+              <a:rPr lang="ja-JP" altLang="en-US" sz="3200"/>
+              <a:t>の設計を考えていく必要がある</a:t>
+            </a:r>
+            <a:endParaRPr lang="en-US" altLang="ja-JP" sz="3200" dirty="0"/>
           </a:p>
         </p:txBody>
       </p:sp>
@@ -20557,352 +20569,6 @@
           </a:fontRef>
         </p:style>
       </p:cxnSp>
-      <p:grpSp>
-        <p:nvGrpSpPr>
-          <p:cNvPr id="76" name="グループ化 75">
-            <a:extLst>
-              <a:ext uri="{FF2B5EF4-FFF2-40B4-BE49-F238E27FC236}">
-                <a16:creationId xmlns:a16="http://schemas.microsoft.com/office/drawing/2014/main" id="{C060C0B2-20D4-1DC5-6928-B1AE9FF42018}"/>
-              </a:ext>
-            </a:extLst>
-          </p:cNvPr>
-          <p:cNvGrpSpPr>
-            <a:grpSpLocks noChangeAspect="1"/>
-          </p:cNvGrpSpPr>
-          <p:nvPr/>
-        </p:nvGrpSpPr>
-        <p:grpSpPr>
-          <a:xfrm>
-            <a:off x="15780424" y="17911714"/>
-            <a:ext cx="13924542" cy="6724121"/>
-            <a:chOff x="1981000" y="740200"/>
-            <a:chExt cx="25494693" cy="12311315"/>
-          </a:xfrm>
-        </p:grpSpPr>
-        <p:pic>
-          <p:nvPicPr>
-            <p:cNvPr id="77" name="図 76" descr="グラフ, 折れ線グラフ&#10;&#10;AI 生成コンテンツは誤りを含む可能性があります。">
-              <a:extLst>
-                <a:ext uri="{FF2B5EF4-FFF2-40B4-BE49-F238E27FC236}">
-                  <a16:creationId xmlns:a16="http://schemas.microsoft.com/office/drawing/2014/main" id="{2B182335-1125-5443-863C-1FBA5AF34616}"/>
-                </a:ext>
-              </a:extLst>
-            </p:cNvPr>
-            <p:cNvPicPr>
-              <a:picLocks noChangeAspect="1"/>
-            </p:cNvPicPr>
-            <p:nvPr/>
-          </p:nvPicPr>
-          <p:blipFill>
-            <a:blip r:embed="rId72"/>
-            <a:stretch>
-              <a:fillRect/>
-            </a:stretch>
-          </p:blipFill>
-          <p:spPr>
-            <a:xfrm>
-              <a:off x="10724177" y="740200"/>
-              <a:ext cx="8198442" cy="6235693"/>
-            </a:xfrm>
-            <a:prstGeom prst="rect">
-              <a:avLst/>
-            </a:prstGeom>
-          </p:spPr>
-        </p:pic>
-        <p:pic>
-          <p:nvPicPr>
-            <p:cNvPr id="78" name="図 77" descr="グラフ, 折れ線グラフ&#10;&#10;AI 生成コンテンツは誤りを含む可能性があります。">
-              <a:extLst>
-                <a:ext uri="{FF2B5EF4-FFF2-40B4-BE49-F238E27FC236}">
-                  <a16:creationId xmlns:a16="http://schemas.microsoft.com/office/drawing/2014/main" id="{B72E9B03-0B47-526C-FAC2-FA6599FEF7FC}"/>
-                </a:ext>
-              </a:extLst>
-            </p:cNvPr>
-            <p:cNvPicPr>
-              <a:picLocks noChangeAspect="1"/>
-            </p:cNvPicPr>
-            <p:nvPr/>
-          </p:nvPicPr>
-          <p:blipFill>
-            <a:blip r:embed="rId73"/>
-            <a:stretch>
-              <a:fillRect/>
-            </a:stretch>
-          </p:blipFill>
-          <p:spPr>
-            <a:xfrm>
-              <a:off x="2039994" y="935257"/>
-              <a:ext cx="8314257" cy="6040636"/>
-            </a:xfrm>
-            <a:prstGeom prst="rect">
-              <a:avLst/>
-            </a:prstGeom>
-          </p:spPr>
-        </p:pic>
-        <p:pic>
-          <p:nvPicPr>
-            <p:cNvPr id="79" name="図 78" descr="グラフ, ヒストグラム&#10;&#10;AI 生成コンテンツは誤りを含む可能性があります。">
-              <a:extLst>
-                <a:ext uri="{FF2B5EF4-FFF2-40B4-BE49-F238E27FC236}">
-                  <a16:creationId xmlns:a16="http://schemas.microsoft.com/office/drawing/2014/main" id="{95E7B284-0B4F-F478-F10D-B9B2C1F13B0A}"/>
-                </a:ext>
-              </a:extLst>
-            </p:cNvPr>
-            <p:cNvPicPr>
-              <a:picLocks noChangeAspect="1"/>
-            </p:cNvPicPr>
-            <p:nvPr/>
-          </p:nvPicPr>
-          <p:blipFill>
-            <a:blip r:embed="rId74"/>
-            <a:stretch>
-              <a:fillRect/>
-            </a:stretch>
-          </p:blipFill>
-          <p:spPr>
-            <a:xfrm>
-              <a:off x="1981000" y="7010879"/>
-              <a:ext cx="8423975" cy="6040636"/>
-            </a:xfrm>
-            <a:prstGeom prst="rect">
-              <a:avLst/>
-            </a:prstGeom>
-          </p:spPr>
-        </p:pic>
-        <p:pic>
-          <p:nvPicPr>
-            <p:cNvPr id="80" name="図 79" descr="グラフ, 折れ線グラフ&#10;&#10;AI 生成コンテンツは誤りを含む可能性があります。">
-              <a:extLst>
-                <a:ext uri="{FF2B5EF4-FFF2-40B4-BE49-F238E27FC236}">
-                  <a16:creationId xmlns:a16="http://schemas.microsoft.com/office/drawing/2014/main" id="{BED4CC6D-FEBE-3588-5566-8D5FA4E2DC4F}"/>
-                </a:ext>
-              </a:extLst>
-            </p:cNvPr>
-            <p:cNvPicPr>
-              <a:picLocks noChangeAspect="1"/>
-            </p:cNvPicPr>
-            <p:nvPr/>
-          </p:nvPicPr>
-          <p:blipFill>
-            <a:blip r:embed="rId75"/>
-            <a:stretch>
-              <a:fillRect/>
-            </a:stretch>
-          </p:blipFill>
-          <p:spPr>
-            <a:xfrm>
-              <a:off x="10458451" y="7010879"/>
-              <a:ext cx="8539790" cy="6040636"/>
-            </a:xfrm>
-            <a:prstGeom prst="rect">
-              <a:avLst/>
-            </a:prstGeom>
-          </p:spPr>
-        </p:pic>
-        <p:pic>
-          <p:nvPicPr>
-            <p:cNvPr id="81" name="図 80" descr="グラフ, 折れ線グラフ&#10;&#10;AI 生成コンテンツは誤りを含む可能性があります。">
-              <a:extLst>
-                <a:ext uri="{FF2B5EF4-FFF2-40B4-BE49-F238E27FC236}">
-                  <a16:creationId xmlns:a16="http://schemas.microsoft.com/office/drawing/2014/main" id="{D82A29B4-EF52-77EF-7E5E-32887F634018}"/>
-                </a:ext>
-              </a:extLst>
-            </p:cNvPr>
-            <p:cNvPicPr>
-              <a:picLocks noChangeAspect="1"/>
-            </p:cNvPicPr>
-            <p:nvPr/>
-          </p:nvPicPr>
-          <p:blipFill>
-            <a:blip r:embed="rId76"/>
-            <a:stretch>
-              <a:fillRect/>
-            </a:stretch>
-          </p:blipFill>
-          <p:spPr>
-            <a:xfrm>
-              <a:off x="19051718" y="7010879"/>
-              <a:ext cx="8423975" cy="6040636"/>
-            </a:xfrm>
-            <a:prstGeom prst="rect">
-              <a:avLst/>
-            </a:prstGeom>
-          </p:spPr>
-        </p:pic>
-      </p:grpSp>
-      <p:grpSp>
-        <p:nvGrpSpPr>
-          <p:cNvPr id="82" name="グループ化 81">
-            <a:extLst>
-              <a:ext uri="{FF2B5EF4-FFF2-40B4-BE49-F238E27FC236}">
-                <a16:creationId xmlns:a16="http://schemas.microsoft.com/office/drawing/2014/main" id="{39E4B783-8057-1ACD-8F93-14677D3757B3}"/>
-              </a:ext>
-            </a:extLst>
-          </p:cNvPr>
-          <p:cNvGrpSpPr>
-            <a:grpSpLocks noChangeAspect="1"/>
-          </p:cNvGrpSpPr>
-          <p:nvPr/>
-        </p:nvGrpSpPr>
-        <p:grpSpPr>
-          <a:xfrm>
-            <a:off x="15592542" y="27534080"/>
-            <a:ext cx="14077074" cy="6856831"/>
-            <a:chOff x="1981000" y="686696"/>
-            <a:chExt cx="25384973" cy="12364819"/>
-          </a:xfrm>
-        </p:grpSpPr>
-        <p:pic>
-          <p:nvPicPr>
-            <p:cNvPr id="83" name="図 82" descr="グラフ, 折れ線グラフ&#10;&#10;AI 生成コンテンツは誤りを含む可能性があります。">
-              <a:extLst>
-                <a:ext uri="{FF2B5EF4-FFF2-40B4-BE49-F238E27FC236}">
-                  <a16:creationId xmlns:a16="http://schemas.microsoft.com/office/drawing/2014/main" id="{42843BE9-4F61-E7F5-578C-64421E294421}"/>
-                </a:ext>
-              </a:extLst>
-            </p:cNvPr>
-            <p:cNvPicPr>
-              <a:picLocks noChangeAspect="1"/>
-            </p:cNvPicPr>
-            <p:nvPr/>
-          </p:nvPicPr>
-          <p:blipFill>
-            <a:blip r:embed="rId77"/>
-            <a:stretch>
-              <a:fillRect/>
-            </a:stretch>
-          </p:blipFill>
-          <p:spPr>
-            <a:xfrm>
-              <a:off x="2090719" y="862805"/>
-              <a:ext cx="8314256" cy="6040636"/>
-            </a:xfrm>
-            <a:prstGeom prst="rect">
-              <a:avLst/>
-            </a:prstGeom>
-          </p:spPr>
-        </p:pic>
-        <p:pic>
-          <p:nvPicPr>
-            <p:cNvPr id="84" name="図 83" descr="グラフ, ヒストグラム&#10;&#10;AI 生成コンテンツは誤りを含む可能性があります。">
-              <a:extLst>
-                <a:ext uri="{FF2B5EF4-FFF2-40B4-BE49-F238E27FC236}">
-                  <a16:creationId xmlns:a16="http://schemas.microsoft.com/office/drawing/2014/main" id="{55084C60-FC4E-B9FE-4F61-A80702DF2478}"/>
-                </a:ext>
-              </a:extLst>
-            </p:cNvPr>
-            <p:cNvPicPr>
-              <a:picLocks noChangeAspect="1"/>
-            </p:cNvPicPr>
-            <p:nvPr/>
-          </p:nvPicPr>
-          <p:blipFill>
-            <a:blip r:embed="rId78"/>
-            <a:stretch>
-              <a:fillRect/>
-            </a:stretch>
-          </p:blipFill>
-          <p:spPr>
-            <a:xfrm>
-              <a:off x="1981000" y="7010879"/>
-              <a:ext cx="8423975" cy="6040636"/>
-            </a:xfrm>
-            <a:prstGeom prst="rect">
-              <a:avLst/>
-            </a:prstGeom>
-          </p:spPr>
-        </p:pic>
-        <p:pic>
-          <p:nvPicPr>
-            <p:cNvPr id="85" name="図 84" descr="グラフ, 折れ線グラフ, ヒストグラム&#10;&#10;AI 生成コンテンツは誤りを含む可能性があります。">
-              <a:extLst>
-                <a:ext uri="{FF2B5EF4-FFF2-40B4-BE49-F238E27FC236}">
-                  <a16:creationId xmlns:a16="http://schemas.microsoft.com/office/drawing/2014/main" id="{2FF992F4-CBA0-4DB8-ED0D-EA6220573D4D}"/>
-                </a:ext>
-              </a:extLst>
-            </p:cNvPr>
-            <p:cNvPicPr>
-              <a:picLocks noChangeAspect="1"/>
-            </p:cNvPicPr>
-            <p:nvPr/>
-          </p:nvPicPr>
-          <p:blipFill>
-            <a:blip r:embed="rId79"/>
-            <a:stretch>
-              <a:fillRect/>
-            </a:stretch>
-          </p:blipFill>
-          <p:spPr>
-            <a:xfrm>
-              <a:off x="10516358" y="7010879"/>
-              <a:ext cx="8423975" cy="6040636"/>
-            </a:xfrm>
-            <a:prstGeom prst="rect">
-              <a:avLst/>
-            </a:prstGeom>
-          </p:spPr>
-        </p:pic>
-        <p:pic>
-          <p:nvPicPr>
-            <p:cNvPr id="86" name="図 85" descr="グラフ, 折れ線グラフ&#10;&#10;AI 生成コンテンツは誤りを含む可能性があります。">
-              <a:extLst>
-                <a:ext uri="{FF2B5EF4-FFF2-40B4-BE49-F238E27FC236}">
-                  <a16:creationId xmlns:a16="http://schemas.microsoft.com/office/drawing/2014/main" id="{3970A422-C25B-8DE6-43F9-B556E1DCACD2}"/>
-                </a:ext>
-              </a:extLst>
-            </p:cNvPr>
-            <p:cNvPicPr>
-              <a:picLocks noChangeAspect="1"/>
-            </p:cNvPicPr>
-            <p:nvPr/>
-          </p:nvPicPr>
-          <p:blipFill>
-            <a:blip r:embed="rId80"/>
-            <a:stretch>
-              <a:fillRect/>
-            </a:stretch>
-          </p:blipFill>
-          <p:spPr>
-            <a:xfrm>
-              <a:off x="19051717" y="7010879"/>
-              <a:ext cx="8314256" cy="6040636"/>
-            </a:xfrm>
-            <a:prstGeom prst="rect">
-              <a:avLst/>
-            </a:prstGeom>
-          </p:spPr>
-        </p:pic>
-        <p:pic>
-          <p:nvPicPr>
-            <p:cNvPr id="87" name="図 86" descr="グラフ, 折れ線グラフ&#10;&#10;AI 生成コンテンツは誤りを含む可能性があります。">
-              <a:extLst>
-                <a:ext uri="{FF2B5EF4-FFF2-40B4-BE49-F238E27FC236}">
-                  <a16:creationId xmlns:a16="http://schemas.microsoft.com/office/drawing/2014/main" id="{4E5B93DE-A337-E6FA-7A20-27AB95D13AEE}"/>
-                </a:ext>
-              </a:extLst>
-            </p:cNvPr>
-            <p:cNvPicPr>
-              <a:picLocks noChangeAspect="1"/>
-            </p:cNvPicPr>
-            <p:nvPr/>
-          </p:nvPicPr>
-          <p:blipFill>
-            <a:blip r:embed="rId81"/>
-            <a:stretch>
-              <a:fillRect/>
-            </a:stretch>
-          </p:blipFill>
-          <p:spPr>
-            <a:xfrm>
-              <a:off x="10724176" y="686696"/>
-              <a:ext cx="8198442" cy="6235692"/>
-            </a:xfrm>
-            <a:prstGeom prst="rect">
-              <a:avLst/>
-            </a:prstGeom>
-          </p:spPr>
-        </p:pic>
-      </p:grpSp>
       <p:graphicFrame>
         <p:nvGraphicFramePr>
           <p:cNvPr id="89" name="表 88">
@@ -20918,13 +20584,13 @@
           <p:nvPr>
             <p:extLst>
               <p:ext uri="{D42A27DB-BD31-4B8C-83A1-F6EECF244321}">
-                <p14:modId xmlns:p14="http://schemas.microsoft.com/office/powerpoint/2010/main" val="1810369986"/>
+                <p14:modId xmlns:p14="http://schemas.microsoft.com/office/powerpoint/2010/main" val="2063984249"/>
               </p:ext>
             </p:extLst>
           </p:nvPr>
         </p:nvGraphicFramePr>
         <p:xfrm>
-          <a:off x="15854296" y="25250971"/>
+          <a:off x="15854296" y="25508877"/>
           <a:ext cx="13545237" cy="1568277"/>
         </p:xfrm>
         <a:graphic>
@@ -22630,10 +22296,10 @@
       </p:graphicFrame>
       <p:sp>
         <p:nvSpPr>
-          <p:cNvPr id="33" name="テキスト ボックス 32">
+          <p:cNvPr id="37" name="テキスト ボックス 36">
             <a:extLst>
               <a:ext uri="{FF2B5EF4-FFF2-40B4-BE49-F238E27FC236}">
-                <a16:creationId xmlns:a16="http://schemas.microsoft.com/office/drawing/2014/main" id="{8944EB55-9B75-6C5F-97D5-5D05711883C0}"/>
+                <a16:creationId xmlns:a16="http://schemas.microsoft.com/office/drawing/2014/main" id="{7BC4781B-7326-8EFA-78C6-53FB2BC7370F}"/>
               </a:ext>
             </a:extLst>
           </p:cNvPr>
@@ -22642,7 +22308,7 @@
         </p:nvSpPr>
         <p:spPr>
           <a:xfrm>
-            <a:off x="15700000" y="17540295"/>
+            <a:off x="15700000" y="27385102"/>
             <a:ext cx="8393062" cy="523220"/>
           </a:xfrm>
           <a:prstGeom prst="rect">
@@ -22661,11 +22327,18 @@
               <a:buChar char="n"/>
             </a:pPr>
             <a:r>
-              <a:rPr kumimoji="1" lang="ja-JP" altLang="en-US" sz="2800" b="1">
+              <a:rPr lang="ja-JP" altLang="en-US" sz="2800" b="1">
                 <a:latin typeface="メイリオ" panose="020B0604030504040204" pitchFamily="50" charset="-128"/>
                 <a:ea typeface="メイリオ" panose="020B0604030504040204" pitchFamily="50" charset="-128"/>
               </a:rPr>
-              <a:t>オブザーバ</a:t>
+              <a:t>拡張カルマンフィルタ</a:t>
+            </a:r>
+            <a:r>
+              <a:rPr lang="en-US" altLang="ja-JP" sz="2800" b="1" dirty="0">
+                <a:latin typeface="メイリオ" panose="020B0604030504040204" pitchFamily="50" charset="-128"/>
+                <a:ea typeface="メイリオ" panose="020B0604030504040204" pitchFamily="50" charset="-128"/>
+              </a:rPr>
+              <a:t>(EKF)</a:t>
             </a:r>
             <a:r>
               <a:rPr lang="ja-JP" altLang="en-US" sz="2800" b="1">
@@ -22681,12 +22354,358 @@
           </a:p>
         </p:txBody>
       </p:sp>
+      <p:grpSp>
+        <p:nvGrpSpPr>
+          <p:cNvPr id="59" name="グループ化 58">
+            <a:extLst>
+              <a:ext uri="{FF2B5EF4-FFF2-40B4-BE49-F238E27FC236}">
+                <a16:creationId xmlns:a16="http://schemas.microsoft.com/office/drawing/2014/main" id="{639B29EE-6CF9-B841-4ED8-2599137BABCB}"/>
+              </a:ext>
+            </a:extLst>
+          </p:cNvPr>
+          <p:cNvGrpSpPr>
+            <a:grpSpLocks noChangeAspect="1"/>
+          </p:cNvGrpSpPr>
+          <p:nvPr/>
+        </p:nvGrpSpPr>
+        <p:grpSpPr>
+          <a:xfrm>
+            <a:off x="15720718" y="18080670"/>
+            <a:ext cx="13993043" cy="6709572"/>
+            <a:chOff x="959104" y="6774634"/>
+            <a:chExt cx="23633144" cy="11331936"/>
+          </a:xfrm>
+        </p:grpSpPr>
+        <p:pic>
+          <p:nvPicPr>
+            <p:cNvPr id="60" name="図 59" descr="グラフ, 折れ線グラフ&#10;&#10;AI 生成コンテンツは誤りを含む可能性があります。">
+              <a:extLst>
+                <a:ext uri="{FF2B5EF4-FFF2-40B4-BE49-F238E27FC236}">
+                  <a16:creationId xmlns:a16="http://schemas.microsoft.com/office/drawing/2014/main" id="{E139B2AA-8E68-ABF4-D93E-29A0DDCD28D7}"/>
+                </a:ext>
+              </a:extLst>
+            </p:cNvPr>
+            <p:cNvPicPr>
+              <a:picLocks noChangeAspect="1"/>
+            </p:cNvPicPr>
+            <p:nvPr/>
+          </p:nvPicPr>
+          <p:blipFill>
+            <a:blip r:embed="rId72"/>
+            <a:stretch>
+              <a:fillRect/>
+            </a:stretch>
+          </p:blipFill>
+          <p:spPr>
+            <a:xfrm>
+              <a:off x="959104" y="7206847"/>
+              <a:ext cx="7772400" cy="5408863"/>
+            </a:xfrm>
+            <a:prstGeom prst="rect">
+              <a:avLst/>
+            </a:prstGeom>
+          </p:spPr>
+        </p:pic>
+        <p:pic>
+          <p:nvPicPr>
+            <p:cNvPr id="61" name="図 60" descr="グラフ, 折れ線グラフ&#10;&#10;AI 生成コンテンツは誤りを含む可能性があります。">
+              <a:extLst>
+                <a:ext uri="{FF2B5EF4-FFF2-40B4-BE49-F238E27FC236}">
+                  <a16:creationId xmlns:a16="http://schemas.microsoft.com/office/drawing/2014/main" id="{B4D58573-522B-7255-F4C0-561A4D3F66E4}"/>
+                </a:ext>
+              </a:extLst>
+            </p:cNvPr>
+            <p:cNvPicPr>
+              <a:picLocks noChangeAspect="1"/>
+            </p:cNvPicPr>
+            <p:nvPr/>
+          </p:nvPicPr>
+          <p:blipFill>
+            <a:blip r:embed="rId73"/>
+            <a:stretch>
+              <a:fillRect/>
+            </a:stretch>
+          </p:blipFill>
+          <p:spPr>
+            <a:xfrm>
+              <a:off x="8914384" y="6774634"/>
+              <a:ext cx="7772400" cy="5841076"/>
+            </a:xfrm>
+            <a:prstGeom prst="rect">
+              <a:avLst/>
+            </a:prstGeom>
+          </p:spPr>
+        </p:pic>
+        <p:pic>
+          <p:nvPicPr>
+            <p:cNvPr id="62" name="図 61" descr="グラフ, ヒストグラム&#10;&#10;AI 生成コンテンツは誤りを含む可能性があります。">
+              <a:extLst>
+                <a:ext uri="{FF2B5EF4-FFF2-40B4-BE49-F238E27FC236}">
+                  <a16:creationId xmlns:a16="http://schemas.microsoft.com/office/drawing/2014/main" id="{58AB73DB-9D43-28D2-333A-AE879F3A298E}"/>
+                </a:ext>
+              </a:extLst>
+            </p:cNvPr>
+            <p:cNvPicPr>
+              <a:picLocks noChangeAspect="1"/>
+            </p:cNvPicPr>
+            <p:nvPr/>
+          </p:nvPicPr>
+          <p:blipFill>
+            <a:blip r:embed="rId74"/>
+            <a:stretch>
+              <a:fillRect/>
+            </a:stretch>
+          </p:blipFill>
+          <p:spPr>
+            <a:xfrm>
+              <a:off x="959104" y="12664775"/>
+              <a:ext cx="7772400" cy="5441795"/>
+            </a:xfrm>
+            <a:prstGeom prst="rect">
+              <a:avLst/>
+            </a:prstGeom>
+          </p:spPr>
+        </p:pic>
+        <p:pic>
+          <p:nvPicPr>
+            <p:cNvPr id="63" name="図 62" descr="グラフ, 折れ線グラフ&#10;&#10;AI 生成コンテンツは誤りを含む可能性があります。">
+              <a:extLst>
+                <a:ext uri="{FF2B5EF4-FFF2-40B4-BE49-F238E27FC236}">
+                  <a16:creationId xmlns:a16="http://schemas.microsoft.com/office/drawing/2014/main" id="{679CF580-5BB2-CEDC-3B16-44DF0C8CDB6F}"/>
+                </a:ext>
+              </a:extLst>
+            </p:cNvPr>
+            <p:cNvPicPr>
+              <a:picLocks noChangeAspect="1"/>
+            </p:cNvPicPr>
+            <p:nvPr/>
+          </p:nvPicPr>
+          <p:blipFill>
+            <a:blip r:embed="rId75"/>
+            <a:stretch>
+              <a:fillRect/>
+            </a:stretch>
+          </p:blipFill>
+          <p:spPr>
+            <a:xfrm>
+              <a:off x="8889476" y="12664775"/>
+              <a:ext cx="7772400" cy="5441795"/>
+            </a:xfrm>
+            <a:prstGeom prst="rect">
+              <a:avLst/>
+            </a:prstGeom>
+          </p:spPr>
+        </p:pic>
+        <p:pic>
+          <p:nvPicPr>
+            <p:cNvPr id="448" name="図 447" descr="グラフ, 折れ線グラフ&#10;&#10;AI 生成コンテンツは誤りを含む可能性があります。">
+              <a:extLst>
+                <a:ext uri="{FF2B5EF4-FFF2-40B4-BE49-F238E27FC236}">
+                  <a16:creationId xmlns:a16="http://schemas.microsoft.com/office/drawing/2014/main" id="{FAE65EA0-98A8-6F5D-4EE9-35BBEC2F4E02}"/>
+                </a:ext>
+              </a:extLst>
+            </p:cNvPr>
+            <p:cNvPicPr>
+              <a:picLocks noChangeAspect="1"/>
+            </p:cNvPicPr>
+            <p:nvPr/>
+          </p:nvPicPr>
+          <p:blipFill>
+            <a:blip r:embed="rId76"/>
+            <a:stretch>
+              <a:fillRect/>
+            </a:stretch>
+          </p:blipFill>
+          <p:spPr>
+            <a:xfrm>
+              <a:off x="16819848" y="12798590"/>
+              <a:ext cx="7772400" cy="5307980"/>
+            </a:xfrm>
+            <a:prstGeom prst="rect">
+              <a:avLst/>
+            </a:prstGeom>
+          </p:spPr>
+        </p:pic>
+      </p:grpSp>
+      <p:grpSp>
+        <p:nvGrpSpPr>
+          <p:cNvPr id="459" name="グループ化 458">
+            <a:extLst>
+              <a:ext uri="{FF2B5EF4-FFF2-40B4-BE49-F238E27FC236}">
+                <a16:creationId xmlns:a16="http://schemas.microsoft.com/office/drawing/2014/main" id="{D34C804C-B08A-FF63-7F16-35BE9A3D7311}"/>
+              </a:ext>
+            </a:extLst>
+          </p:cNvPr>
+          <p:cNvGrpSpPr>
+            <a:grpSpLocks noChangeAspect="1"/>
+          </p:cNvGrpSpPr>
+          <p:nvPr/>
+        </p:nvGrpSpPr>
+        <p:grpSpPr>
+          <a:xfrm>
+            <a:off x="15651737" y="27890772"/>
+            <a:ext cx="13943215" cy="6300000"/>
+            <a:chOff x="4266120" y="22140434"/>
+            <a:chExt cx="23487920" cy="10612609"/>
+          </a:xfrm>
+        </p:grpSpPr>
+        <p:pic>
+          <p:nvPicPr>
+            <p:cNvPr id="460" name="図 459" descr="グラフ, 折れ線グラフ&#10;&#10;AI 生成コンテンツは誤りを含む可能性があります。">
+              <a:extLst>
+                <a:ext uri="{FF2B5EF4-FFF2-40B4-BE49-F238E27FC236}">
+                  <a16:creationId xmlns:a16="http://schemas.microsoft.com/office/drawing/2014/main" id="{1BE8A721-B859-8AB7-B4A0-85179689DAA8}"/>
+                </a:ext>
+              </a:extLst>
+            </p:cNvPr>
+            <p:cNvPicPr>
+              <a:picLocks noChangeAspect="1"/>
+            </p:cNvPicPr>
+            <p:nvPr/>
+          </p:nvPicPr>
+          <p:blipFill>
+            <a:blip r:embed="rId77"/>
+            <a:stretch>
+              <a:fillRect/>
+            </a:stretch>
+          </p:blipFill>
+          <p:spPr>
+            <a:xfrm>
+              <a:off x="4266120" y="22548983"/>
+              <a:ext cx="7772400" cy="5025352"/>
+            </a:xfrm>
+            <a:prstGeom prst="rect">
+              <a:avLst/>
+            </a:prstGeom>
+          </p:spPr>
+        </p:pic>
+        <p:pic>
+          <p:nvPicPr>
+            <p:cNvPr id="461" name="図 460" descr="グラフ, 折れ線グラフ&#10;&#10;AI 生成コンテンツは誤りを含む可能性があります。">
+              <a:extLst>
+                <a:ext uri="{FF2B5EF4-FFF2-40B4-BE49-F238E27FC236}">
+                  <a16:creationId xmlns:a16="http://schemas.microsoft.com/office/drawing/2014/main" id="{DD20CFF7-8033-5734-9D9F-FC98396169DB}"/>
+                </a:ext>
+              </a:extLst>
+            </p:cNvPr>
+            <p:cNvPicPr>
+              <a:picLocks noChangeAspect="1"/>
+            </p:cNvPicPr>
+            <p:nvPr/>
+          </p:nvPicPr>
+          <p:blipFill>
+            <a:blip r:embed="rId78"/>
+            <a:stretch>
+              <a:fillRect/>
+            </a:stretch>
+          </p:blipFill>
+          <p:spPr>
+            <a:xfrm>
+              <a:off x="12087352" y="22140434"/>
+              <a:ext cx="7772400" cy="5433901"/>
+            </a:xfrm>
+            <a:prstGeom prst="rect">
+              <a:avLst/>
+            </a:prstGeom>
+          </p:spPr>
+        </p:pic>
+        <p:pic>
+          <p:nvPicPr>
+            <p:cNvPr id="462" name="図 461" descr="グラフ, ヒストグラム&#10;&#10;AI 生成コンテンツは誤りを含む可能性があります。">
+              <a:extLst>
+                <a:ext uri="{FF2B5EF4-FFF2-40B4-BE49-F238E27FC236}">
+                  <a16:creationId xmlns:a16="http://schemas.microsoft.com/office/drawing/2014/main" id="{F98A68B3-DD90-F35E-0B13-BE9D9B00CBBC}"/>
+                </a:ext>
+              </a:extLst>
+            </p:cNvPr>
+            <p:cNvPicPr>
+              <a:picLocks noChangeAspect="1"/>
+            </p:cNvPicPr>
+            <p:nvPr/>
+          </p:nvPicPr>
+          <p:blipFill>
+            <a:blip r:embed="rId79"/>
+            <a:stretch>
+              <a:fillRect/>
+            </a:stretch>
+          </p:blipFill>
+          <p:spPr>
+            <a:xfrm>
+              <a:off x="4290536" y="27624752"/>
+              <a:ext cx="7772400" cy="5128291"/>
+            </a:xfrm>
+            <a:prstGeom prst="rect">
+              <a:avLst/>
+            </a:prstGeom>
+          </p:spPr>
+        </p:pic>
+        <p:pic>
+          <p:nvPicPr>
+            <p:cNvPr id="468" name="図 467" descr="グラフ, 折れ線グラフ&#10;&#10;AI 生成コンテンツは誤りを含む可能性があります。">
+              <a:extLst>
+                <a:ext uri="{FF2B5EF4-FFF2-40B4-BE49-F238E27FC236}">
+                  <a16:creationId xmlns:a16="http://schemas.microsoft.com/office/drawing/2014/main" id="{8A1C10E1-31F6-2D52-FD3B-55133F254FEF}"/>
+                </a:ext>
+              </a:extLst>
+            </p:cNvPr>
+            <p:cNvPicPr>
+              <a:picLocks noChangeAspect="1"/>
+            </p:cNvPicPr>
+            <p:nvPr/>
+          </p:nvPicPr>
+          <p:blipFill>
+            <a:blip r:embed="rId80"/>
+            <a:stretch>
+              <a:fillRect/>
+            </a:stretch>
+          </p:blipFill>
+          <p:spPr>
+            <a:xfrm>
+              <a:off x="12136088" y="27624752"/>
+              <a:ext cx="7772400" cy="5128291"/>
+            </a:xfrm>
+            <a:prstGeom prst="rect">
+              <a:avLst/>
+            </a:prstGeom>
+          </p:spPr>
+        </p:pic>
+        <p:pic>
+          <p:nvPicPr>
+            <p:cNvPr id="469" name="図 468" descr="グラフ, 折れ線グラフ&#10;&#10;AI 生成コンテンツは誤りを含む可能性があります。">
+              <a:extLst>
+                <a:ext uri="{FF2B5EF4-FFF2-40B4-BE49-F238E27FC236}">
+                  <a16:creationId xmlns:a16="http://schemas.microsoft.com/office/drawing/2014/main" id="{70BB7ECA-0EC3-D002-8C1A-62509C4F9E96}"/>
+                </a:ext>
+              </a:extLst>
+            </p:cNvPr>
+            <p:cNvPicPr>
+              <a:picLocks noChangeAspect="1"/>
+            </p:cNvPicPr>
+            <p:nvPr/>
+          </p:nvPicPr>
+          <p:blipFill>
+            <a:blip r:embed="rId81"/>
+            <a:stretch>
+              <a:fillRect/>
+            </a:stretch>
+          </p:blipFill>
+          <p:spPr>
+            <a:xfrm>
+              <a:off x="19981640" y="27837987"/>
+              <a:ext cx="7772400" cy="4915056"/>
+            </a:xfrm>
+            <a:prstGeom prst="rect">
+              <a:avLst/>
+            </a:prstGeom>
+          </p:spPr>
+        </p:pic>
+      </p:grpSp>
       <p:sp>
         <p:nvSpPr>
-          <p:cNvPr id="37" name="テキスト ボックス 36">
+          <p:cNvPr id="33" name="テキスト ボックス 32">
             <a:extLst>
               <a:ext uri="{FF2B5EF4-FFF2-40B4-BE49-F238E27FC236}">
-                <a16:creationId xmlns:a16="http://schemas.microsoft.com/office/drawing/2014/main" id="{7BC4781B-7326-8EFA-78C6-53FB2BC7370F}"/>
+                <a16:creationId xmlns:a16="http://schemas.microsoft.com/office/drawing/2014/main" id="{8944EB55-9B75-6C5F-97D5-5D05711883C0}"/>
               </a:ext>
             </a:extLst>
           </p:cNvPr>
@@ -22695,8 +22714,8 @@
         </p:nvSpPr>
         <p:spPr>
           <a:xfrm>
-            <a:off x="15700000" y="27080304"/>
-            <a:ext cx="8393062" cy="523220"/>
+            <a:off x="15700000" y="17664443"/>
+            <a:ext cx="5002952" cy="523220"/>
           </a:xfrm>
           <a:prstGeom prst="rect">
             <a:avLst/>
@@ -22714,18 +22733,11 @@
               <a:buChar char="n"/>
             </a:pPr>
             <a:r>
-              <a:rPr lang="ja-JP" altLang="en-US" sz="2800" b="1">
+              <a:rPr kumimoji="1" lang="ja-JP" altLang="en-US" sz="2800" b="1">
                 <a:latin typeface="メイリオ" panose="020B0604030504040204" pitchFamily="50" charset="-128"/>
                 <a:ea typeface="メイリオ" panose="020B0604030504040204" pitchFamily="50" charset="-128"/>
               </a:rPr>
-              <a:t>拡張カルマンフィルタ</a:t>
-            </a:r>
-            <a:r>
-              <a:rPr lang="en-US" altLang="ja-JP" sz="2800" b="1" dirty="0">
-                <a:latin typeface="メイリオ" panose="020B0604030504040204" pitchFamily="50" charset="-128"/>
-                <a:ea typeface="メイリオ" panose="020B0604030504040204" pitchFamily="50" charset="-128"/>
-              </a:rPr>
-              <a:t>(EKF)</a:t>
+              <a:t>オブザーバ</a:t>
             </a:r>
             <a:r>
               <a:rPr lang="ja-JP" altLang="en-US" sz="2800" b="1">
@@ -22741,6 +22753,220 @@
           </a:p>
         </p:txBody>
       </p:sp>
+      <p:grpSp>
+        <p:nvGrpSpPr>
+          <p:cNvPr id="481" name="グループ化 480">
+            <a:extLst>
+              <a:ext uri="{FF2B5EF4-FFF2-40B4-BE49-F238E27FC236}">
+                <a16:creationId xmlns:a16="http://schemas.microsoft.com/office/drawing/2014/main" id="{4AB74329-B1E2-532C-ADDA-0342219F3462}"/>
+              </a:ext>
+            </a:extLst>
+          </p:cNvPr>
+          <p:cNvGrpSpPr/>
+          <p:nvPr/>
+        </p:nvGrpSpPr>
+        <p:grpSpPr>
+          <a:xfrm>
+            <a:off x="25172165" y="18054663"/>
+            <a:ext cx="4531216" cy="3347218"/>
+            <a:chOff x="25172165" y="17861294"/>
+            <a:chExt cx="4531216" cy="3347218"/>
+          </a:xfrm>
+        </p:grpSpPr>
+        <p:pic>
+          <p:nvPicPr>
+            <p:cNvPr id="476" name="図 475" descr="グラフ, 棒グラフ&#10;&#10;AI 生成コンテンツは誤りを含む可能性があります。">
+              <a:extLst>
+                <a:ext uri="{FF2B5EF4-FFF2-40B4-BE49-F238E27FC236}">
+                  <a16:creationId xmlns:a16="http://schemas.microsoft.com/office/drawing/2014/main" id="{28B56EFD-5C53-59E7-148C-33E8B2C8D323}"/>
+                </a:ext>
+              </a:extLst>
+            </p:cNvPr>
+            <p:cNvPicPr>
+              <a:picLocks noChangeAspect="1"/>
+            </p:cNvPicPr>
+            <p:nvPr/>
+          </p:nvPicPr>
+          <p:blipFill>
+            <a:blip r:embed="rId82"/>
+            <a:stretch>
+              <a:fillRect/>
+            </a:stretch>
+          </p:blipFill>
+          <p:spPr>
+            <a:xfrm>
+              <a:off x="25172165" y="18112512"/>
+              <a:ext cx="4531216" cy="3096000"/>
+            </a:xfrm>
+            <a:prstGeom prst="rect">
+              <a:avLst/>
+            </a:prstGeom>
+          </p:spPr>
+        </p:pic>
+        <p:sp>
+          <p:nvSpPr>
+            <p:cNvPr id="479" name="テキスト ボックス 478">
+              <a:extLst>
+                <a:ext uri="{FF2B5EF4-FFF2-40B4-BE49-F238E27FC236}">
+                  <a16:creationId xmlns:a16="http://schemas.microsoft.com/office/drawing/2014/main" id="{46F812A3-4794-1583-9029-792BA68030A7}"/>
+                </a:ext>
+              </a:extLst>
+            </p:cNvPr>
+            <p:cNvSpPr txBox="1"/>
+            <p:nvPr/>
+          </p:nvSpPr>
+          <p:spPr>
+            <a:xfrm>
+              <a:off x="26720800" y="17861294"/>
+              <a:ext cx="2331904" cy="400110"/>
+            </a:xfrm>
+            <a:prstGeom prst="rect">
+              <a:avLst/>
+            </a:prstGeom>
+            <a:noFill/>
+          </p:spPr>
+          <p:txBody>
+            <a:bodyPr wrap="square" rtlCol="0">
+              <a:spAutoFit/>
+            </a:bodyPr>
+            <a:lstStyle/>
+            <a:p>
+              <a:r>
+                <a:rPr kumimoji="1" lang="en-US" altLang="ja-JP" sz="2000" dirty="0">
+                  <a:latin typeface="メイリオ" panose="020B0604030504040204" pitchFamily="50" charset="-128"/>
+                  <a:ea typeface="メイリオ" panose="020B0604030504040204" pitchFamily="50" charset="-128"/>
+                </a:rPr>
+                <a:t>4</a:t>
+              </a:r>
+              <a:r>
+                <a:rPr kumimoji="1" lang="ja-JP" altLang="en-US" sz="2000">
+                  <a:latin typeface="メイリオ" panose="020B0604030504040204" pitchFamily="50" charset="-128"/>
+                  <a:ea typeface="メイリオ" panose="020B0604030504040204" pitchFamily="50" charset="-128"/>
+                </a:rPr>
+                <a:t>日間の</a:t>
+              </a:r>
+              <a:r>
+                <a:rPr kumimoji="1" lang="en-US" altLang="ja-JP" sz="2000" dirty="0">
+                  <a:latin typeface="メイリオ" panose="020B0604030504040204" pitchFamily="50" charset="-128"/>
+                  <a:ea typeface="メイリオ" panose="020B0604030504040204" pitchFamily="50" charset="-128"/>
+                </a:rPr>
+                <a:t>RMSE</a:t>
+              </a:r>
+              <a:endParaRPr kumimoji="1" lang="ja-JP" altLang="en-US" sz="2000" dirty="0">
+                <a:latin typeface="メイリオ" panose="020B0604030504040204" pitchFamily="50" charset="-128"/>
+                <a:ea typeface="メイリオ" panose="020B0604030504040204" pitchFamily="50" charset="-128"/>
+              </a:endParaRPr>
+            </a:p>
+          </p:txBody>
+        </p:sp>
+      </p:grpSp>
+      <p:grpSp>
+        <p:nvGrpSpPr>
+          <p:cNvPr id="483" name="グループ化 482">
+            <a:extLst>
+              <a:ext uri="{FF2B5EF4-FFF2-40B4-BE49-F238E27FC236}">
+                <a16:creationId xmlns:a16="http://schemas.microsoft.com/office/drawing/2014/main" id="{4ABBF0BF-91D1-F9A2-C22F-D9FD5DB4EAC8}"/>
+              </a:ext>
+            </a:extLst>
+          </p:cNvPr>
+          <p:cNvGrpSpPr/>
+          <p:nvPr/>
+        </p:nvGrpSpPr>
+        <p:grpSpPr>
+          <a:xfrm>
+            <a:off x="25143722" y="27818906"/>
+            <a:ext cx="4531217" cy="3350136"/>
+            <a:chOff x="25143722" y="27748568"/>
+            <a:chExt cx="4531217" cy="3350136"/>
+          </a:xfrm>
+        </p:grpSpPr>
+        <p:pic>
+          <p:nvPicPr>
+            <p:cNvPr id="478" name="図 477" descr="グラフ, 棒グラフ&#10;&#10;AI 生成コンテンツは誤りを含む可能性があります。">
+              <a:extLst>
+                <a:ext uri="{FF2B5EF4-FFF2-40B4-BE49-F238E27FC236}">
+                  <a16:creationId xmlns:a16="http://schemas.microsoft.com/office/drawing/2014/main" id="{A5E01FFB-0413-C549-5307-1D3D027C0A20}"/>
+                </a:ext>
+              </a:extLst>
+            </p:cNvPr>
+            <p:cNvPicPr>
+              <a:picLocks noChangeAspect="1"/>
+            </p:cNvPicPr>
+            <p:nvPr/>
+          </p:nvPicPr>
+          <p:blipFill>
+            <a:blip r:embed="rId83"/>
+            <a:stretch>
+              <a:fillRect/>
+            </a:stretch>
+          </p:blipFill>
+          <p:spPr>
+            <a:xfrm>
+              <a:off x="25143722" y="28002704"/>
+              <a:ext cx="4531217" cy="3096000"/>
+            </a:xfrm>
+            <a:prstGeom prst="rect">
+              <a:avLst/>
+            </a:prstGeom>
+          </p:spPr>
+        </p:pic>
+        <p:sp>
+          <p:nvSpPr>
+            <p:cNvPr id="482" name="テキスト ボックス 481">
+              <a:extLst>
+                <a:ext uri="{FF2B5EF4-FFF2-40B4-BE49-F238E27FC236}">
+                  <a16:creationId xmlns:a16="http://schemas.microsoft.com/office/drawing/2014/main" id="{10258364-8FB6-E3C5-72F0-C50380F02A28}"/>
+                </a:ext>
+              </a:extLst>
+            </p:cNvPr>
+            <p:cNvSpPr txBox="1"/>
+            <p:nvPr/>
+          </p:nvSpPr>
+          <p:spPr>
+            <a:xfrm>
+              <a:off x="26382463" y="27748568"/>
+              <a:ext cx="2331904" cy="400110"/>
+            </a:xfrm>
+            <a:prstGeom prst="rect">
+              <a:avLst/>
+            </a:prstGeom>
+            <a:noFill/>
+          </p:spPr>
+          <p:txBody>
+            <a:bodyPr wrap="square" rtlCol="0">
+              <a:spAutoFit/>
+            </a:bodyPr>
+            <a:lstStyle/>
+            <a:p>
+              <a:r>
+                <a:rPr kumimoji="1" lang="en-US" altLang="ja-JP" sz="2000" dirty="0">
+                  <a:latin typeface="メイリオ" panose="020B0604030504040204" pitchFamily="50" charset="-128"/>
+                  <a:ea typeface="メイリオ" panose="020B0604030504040204" pitchFamily="50" charset="-128"/>
+                </a:rPr>
+                <a:t>4</a:t>
+              </a:r>
+              <a:r>
+                <a:rPr kumimoji="1" lang="ja-JP" altLang="en-US" sz="2000">
+                  <a:latin typeface="メイリオ" panose="020B0604030504040204" pitchFamily="50" charset="-128"/>
+                  <a:ea typeface="メイリオ" panose="020B0604030504040204" pitchFamily="50" charset="-128"/>
+                </a:rPr>
+                <a:t>日目のみの</a:t>
+              </a:r>
+              <a:r>
+                <a:rPr kumimoji="1" lang="en-US" altLang="ja-JP" sz="2000" dirty="0">
+                  <a:latin typeface="メイリオ" panose="020B0604030504040204" pitchFamily="50" charset="-128"/>
+                  <a:ea typeface="メイリオ" panose="020B0604030504040204" pitchFamily="50" charset="-128"/>
+                </a:rPr>
+                <a:t>RMSE</a:t>
+              </a:r>
+              <a:endParaRPr kumimoji="1" lang="ja-JP" altLang="en-US" sz="2000" dirty="0">
+                <a:latin typeface="メイリオ" panose="020B0604030504040204" pitchFamily="50" charset="-128"/>
+                <a:ea typeface="メイリオ" panose="020B0604030504040204" pitchFamily="50" charset="-128"/>
+              </a:endParaRPr>
+            </a:p>
+          </p:txBody>
+        </p:sp>
+      </p:grpSp>
     </p:spTree>
     <p:extLst>
       <p:ext uri="{BB962C8B-B14F-4D97-AF65-F5344CB8AC3E}">
